--- a/lectures/E00-Introduktion/Introduktion.pptx
+++ b/lectures/E00-Introduktion/Introduktion.pptx
@@ -209,7 +209,7 @@
             <a:fld id="{D591C14E-198E-48A7-ABEC-7FB80E868E55}" type="datetimeFigureOut">
               <a:rPr lang="sv-SE" smtClean="0"/>
               <a:pPr/>
-              <a:t>2013-11-11</a:t>
+              <a:t>14-10-27</a:t>
             </a:fld>
             <a:endParaRPr lang="sv-SE"/>
           </a:p>
@@ -376,7 +376,7 @@
             <a:fld id="{188BB863-C913-48B5-BD1A-638D82A0C76B}" type="datetimeFigureOut">
               <a:rPr lang="sv-SE" smtClean="0"/>
               <a:pPr/>
-              <a:t>2013-11-11</a:t>
+              <a:t>14-10-27</a:t>
             </a:fld>
             <a:endParaRPr lang="sv-SE"/>
           </a:p>
@@ -1888,32 +1888,6 @@
       </p:pic>
       <p:pic>
         <p:nvPicPr>
-          <p:cNvPr id="2053" name="Picture 5" descr="P:\www\Avatar\HT09_square.jpg"/>
-          <p:cNvPicPr>
-            <a:picLocks noChangeAspect="1" noChangeArrowheads="1"/>
-          </p:cNvPicPr>
-          <p:nvPr/>
-        </p:nvPicPr>
-        <p:blipFill>
-          <a:blip r:embed="rId7" cstate="print"/>
-          <a:srcRect/>
-          <a:stretch>
-            <a:fillRect/>
-          </a:stretch>
-        </p:blipFill>
-        <p:spPr bwMode="auto">
-          <a:xfrm>
-            <a:off x="1475656" y="2857500"/>
-            <a:ext cx="2210290" cy="2210290"/>
-          </a:xfrm>
-          <a:prstGeom prst="rect">
-            <a:avLst/>
-          </a:prstGeom>
-          <a:noFill/>
-        </p:spPr>
-      </p:pic>
-      <p:pic>
-        <p:nvPicPr>
           <p:cNvPr id="2052" name="Picture 4" descr="http://kulturbloggen.com/wp-content/uploads/2011/01/skype-300x300.png"/>
           <p:cNvPicPr>
             <a:picLocks noChangeAspect="1" noChangeArrowheads="1"/>
@@ -1921,7 +1895,7 @@
           <p:nvPr/>
         </p:nvPicPr>
         <p:blipFill>
-          <a:blip r:embed="rId8" cstate="print">
+          <a:blip r:embed="rId7" cstate="print">
             <a:extLst>
               <a:ext uri="{28A0092B-C50C-407E-A947-70E740481C1C}">
                 <a14:useLocalDpi xmlns:a14="http://schemas.microsoft.com/office/drawing/2010/main" val="0"/>
@@ -1962,7 +1936,7 @@
           <p:nvPr/>
         </p:nvPicPr>
         <p:blipFill>
-          <a:blip r:embed="rId9" cstate="print">
+          <a:blip r:embed="rId8" cstate="print">
             <a:extLst>
               <a:ext uri="{28A0092B-C50C-407E-A947-70E740481C1C}">
                 <a14:useLocalDpi xmlns:a14="http://schemas.microsoft.com/office/drawing/2010/main" val="0"/>
@@ -1992,6 +1966,36 @@
               </a14:hiddenFill>
             </a:ext>
           </a:extLst>
+        </p:spPr>
+      </p:pic>
+      <p:pic>
+        <p:nvPicPr>
+          <p:cNvPr id="3" name="Picture 2" descr="square.jpg"/>
+          <p:cNvPicPr>
+            <a:picLocks noChangeAspect="1"/>
+          </p:cNvPicPr>
+          <p:nvPr/>
+        </p:nvPicPr>
+        <p:blipFill>
+          <a:blip r:embed="rId9" cstate="print">
+            <a:extLst>
+              <a:ext uri="{28A0092B-C50C-407E-A947-70E740481C1C}">
+                <a14:useLocalDpi xmlns:a14="http://schemas.microsoft.com/office/drawing/2010/main" val="0"/>
+              </a:ext>
+            </a:extLst>
+          </a:blip>
+          <a:stretch>
+            <a:fillRect/>
+          </a:stretch>
+        </p:blipFill>
+        <p:spPr>
+          <a:xfrm>
+            <a:off x="1691680" y="2713484"/>
+            <a:ext cx="2520280" cy="2520280"/>
+          </a:xfrm>
+          <a:prstGeom prst="rect">
+            <a:avLst/>
+          </a:prstGeom>
         </p:spPr>
       </p:pic>
     </p:spTree>
@@ -2425,7 +2429,7 @@
       </p:pic>
       <p:pic>
         <p:nvPicPr>
-          <p:cNvPr id="4" name="Picture 3"/>
+          <p:cNvPr id="3" name="Picture 2"/>
           <p:cNvPicPr>
             <a:picLocks noChangeAspect="1"/>
           </p:cNvPicPr>
@@ -2439,8 +2443,8 @@
         </p:blipFill>
         <p:spPr>
           <a:xfrm>
-            <a:off x="4283968" y="4009628"/>
-            <a:ext cx="3505200" cy="1495890"/>
+            <a:off x="5148064" y="3937620"/>
+            <a:ext cx="1813095" cy="1531640"/>
           </a:xfrm>
           <a:prstGeom prst="rect">
             <a:avLst/>
@@ -2582,7 +2586,7 @@
             </a:r>
             <a:r>
               <a:rPr lang="sv-SE" dirty="0" smtClean="0"/>
-              <a:t>Ht2012</a:t>
+              <a:t>Ht2013</a:t>
             </a:r>
             <a:endParaRPr lang="sv-SE" dirty="0"/>
           </a:p>
@@ -2590,22 +2594,24 @@
       </p:sp>
       <p:pic>
         <p:nvPicPr>
-          <p:cNvPr id="4" name="Picture 3"/>
+          <p:cNvPr id="3" name="Picture 2">
+            <a:hlinkClick r:id="rId2"/>
+          </p:cNvPr>
           <p:cNvPicPr>
             <a:picLocks noChangeAspect="1"/>
           </p:cNvPicPr>
           <p:nvPr/>
         </p:nvPicPr>
         <p:blipFill>
-          <a:blip r:embed="rId2"/>
+          <a:blip r:embed="rId3"/>
           <a:stretch>
             <a:fillRect/>
           </a:stretch>
         </p:blipFill>
         <p:spPr>
           <a:xfrm>
-            <a:off x="887040" y="1993404"/>
-            <a:ext cx="7645400" cy="2768600"/>
+            <a:off x="1187624" y="1201316"/>
+            <a:ext cx="6575896" cy="4013859"/>
           </a:xfrm>
           <a:prstGeom prst="rect">
             <a:avLst/>
@@ -2675,8 +2681,8 @@
         </p:nvSpPr>
         <p:spPr>
           <a:xfrm>
-            <a:off x="3491880" y="1057008"/>
-            <a:ext cx="5310336" cy="1569660"/>
+            <a:off x="3635896" y="1057300"/>
+            <a:ext cx="5310336" cy="2554545"/>
           </a:xfrm>
           <a:prstGeom prst="rect">
             <a:avLst/>
@@ -2689,67 +2695,72 @@
           <a:lstStyle/>
           <a:p>
             <a:r>
-              <a:rPr lang="sv-SE" sz="1600" dirty="0" smtClean="0">
-                <a:latin typeface="Minya Nouvelle" charset="0"/>
-              </a:rPr>
-              <a:t>"Imponerad </a:t>
-            </a:r>
-            <a:r>
               <a:rPr lang="sv-SE" sz="1600" dirty="0">
                 <a:latin typeface="Minya Nouvelle" charset="0"/>
               </a:rPr>
-              <a:t>över hur mycket av språket som ni lyckas få ner i en sådan här kurs och även av hur mycket som man känner igen i boken när man har lyssnat på föreläsningarna. Mycket hög klass på föreläsningarna och vill även passa på att ge beröm för den handledningen som funnits tillgänglig på distans</a:t>
-            </a:r>
-            <a:r>
-              <a:rPr lang="sv-SE" sz="1600" dirty="0" smtClean="0">
-                <a:latin typeface="Minya Nouvelle" charset="0"/>
-              </a:rPr>
-              <a:t>."</a:t>
-            </a:r>
+              <a:t>"I sin helhet så tycker jag att kursen vart enormt bra! I början kom jag in utan några större förkunskaper i JavaScript, gick sedan ut efter 10 veckor med såpass </a:t>
+            </a:r>
+          </a:p>
+          <a:p>
             <a:endParaRPr lang="sv-SE" sz="1600" dirty="0">
               <a:latin typeface="Minya Nouvelle" charset="0"/>
             </a:endParaRPr>
           </a:p>
-        </p:txBody>
-      </p:sp>
-      <p:sp>
-        <p:nvSpPr>
-          <p:cNvPr id="5" name="Rectangle 4"/>
-          <p:cNvSpPr/>
-          <p:nvPr/>
-        </p:nvSpPr>
-        <p:spPr>
-          <a:xfrm>
-            <a:off x="4230216" y="2713484"/>
-            <a:ext cx="4572000" cy="830997"/>
-          </a:xfrm>
-          <a:prstGeom prst="rect">
-            <a:avLst/>
-          </a:prstGeom>
-        </p:spPr>
-        <p:txBody>
-          <a:bodyPr>
-            <a:spAutoFit/>
-          </a:bodyPr>
-          <a:lstStyle/>
           <a:p>
             <a:r>
-              <a:rPr lang="sv-SE" sz="1600" dirty="0" smtClean="0">
+              <a:rPr lang="sv-SE" sz="1600" dirty="0">
                 <a:latin typeface="Minya Nouvelle" charset="0"/>
               </a:rPr>
-              <a:t>"En mycket bra och intressant kurs som jag skulle rekommendera till alla som har något intresse av </a:t>
+              <a:t>mycket </a:t>
+            </a:r>
+            <a:r>
+              <a:rPr lang="sv-SE" sz="1600" dirty="0" err="1">
+                <a:latin typeface="Minya Nouvelle" charset="0"/>
+              </a:rPr>
+              <a:t>JavaScriptskunnande</a:t>
+            </a:r>
+            <a:r>
+              <a:rPr lang="sv-SE" sz="1600" dirty="0">
+                <a:latin typeface="Minya Nouvelle" charset="0"/>
+              </a:rPr>
+              <a:t> i ryggsäcken att jag känner mig säker på vad jag kan numera och är otroligt mycket mera insatt i såväl </a:t>
+            </a:r>
+            <a:r>
+              <a:rPr lang="sv-SE" sz="1600" dirty="0" err="1">
+                <a:latin typeface="Minya Nouvelle" charset="0"/>
+              </a:rPr>
+              <a:t>histora</a:t>
+            </a:r>
+            <a:r>
+              <a:rPr lang="sv-SE" sz="1600" dirty="0">
+                <a:latin typeface="Minya Nouvelle" charset="0"/>
+              </a:rPr>
+              <a:t>, syntax, arbetssätt,</a:t>
+            </a:r>
+          </a:p>
+          <a:p>
+            <a:endParaRPr lang="sv-SE" sz="1600" dirty="0">
+              <a:latin typeface="Minya Nouvelle" charset="0"/>
+            </a:endParaRPr>
+          </a:p>
+          <a:p>
+            <a:r>
+              <a:rPr lang="sv-SE" sz="1600" dirty="0">
+                <a:latin typeface="Minya Nouvelle" charset="0"/>
+              </a:rPr>
+              <a:t>språket i sig, </a:t>
             </a:r>
             <a:r>
               <a:rPr lang="sv-SE" sz="1600" dirty="0" err="1" smtClean="0">
                 <a:latin typeface="Minya Nouvelle" charset="0"/>
               </a:rPr>
-              <a:t>javaScript</a:t>
-            </a:r>
-            <a:r>
-              <a:rPr lang="sv-SE" sz="1600" dirty="0" smtClean="0">
+              <a:t>ooptänket</a:t>
+            </a:r>
+            <a:r>
+              <a:rPr lang="sv-SE" sz="1600" dirty="0">
                 <a:latin typeface="Minya Nouvelle" charset="0"/>
               </a:rPr>
-              <a:t> eller något annat språk.</a:t>
+              <a:t> och vad jag själv kan åstadkomma med språket. .</a:t>
             </a:r>
             <a:r>
               <a:rPr lang="sv-SE" sz="1600" dirty="0" smtClean="0">
@@ -2772,7 +2783,7 @@
         <p:spPr>
           <a:xfrm>
             <a:off x="362270" y="1532565"/>
-            <a:ext cx="3129610" cy="1815882"/>
+            <a:ext cx="3129610" cy="1077218"/>
           </a:xfrm>
           <a:prstGeom prst="rect">
             <a:avLst/>
@@ -2785,34 +2796,10 @@
           <a:lstStyle/>
           <a:p>
             <a:r>
-              <a:rPr lang="sv-SE" sz="1600" dirty="0" smtClean="0">
-                <a:latin typeface="Minya Nouvelle" charset="0"/>
-              </a:rPr>
-              <a:t>"Den </a:t>
-            </a:r>
-            <a:r>
               <a:rPr lang="sv-SE" sz="1600" dirty="0">
                 <a:latin typeface="Minya Nouvelle" charset="0"/>
               </a:rPr>
-              <a:t>bästa kurs jag gått </a:t>
-            </a:r>
-            <a:r>
-              <a:rPr lang="sv-SE" sz="1600" dirty="0" err="1">
-                <a:latin typeface="Minya Nouvelle" charset="0"/>
-              </a:rPr>
-              <a:t>hitills</a:t>
-            </a:r>
-            <a:r>
-              <a:rPr lang="sv-SE" sz="1600" dirty="0">
-                <a:latin typeface="Minya Nouvelle" charset="0"/>
-              </a:rPr>
-              <a:t>. Ganska högt tempo men aldrig tråkigt. Helt klockrena föreläsningar, snabb respons, bra redovisningar, bra information hela tiden och aldrig något strul</a:t>
-            </a:r>
-            <a:r>
-              <a:rPr lang="sv-SE" sz="1600" dirty="0" smtClean="0">
-                <a:latin typeface="Minya Nouvelle" charset="0"/>
-              </a:rPr>
-              <a:t>."</a:t>
+              <a:t>"Känner mig väldigt nöjd med kursen! Känns som man har fått ett bättre fäste om programmering som helhet!"</a:t>
             </a:r>
             <a:endParaRPr lang="sv-SE" sz="1600" dirty="0">
               <a:latin typeface="Minya Nouvelle" charset="0"/>
@@ -2945,7 +2932,7 @@
         <p:spPr>
           <a:xfrm>
             <a:off x="251520" y="4729708"/>
-            <a:ext cx="3708920" cy="830997"/>
+            <a:ext cx="3708920" cy="338554"/>
           </a:xfrm>
           <a:prstGeom prst="rect">
             <a:avLst/>
@@ -2961,8 +2948,11 @@
               <a:rPr lang="sv-SE" sz="1600" dirty="0">
                 <a:latin typeface="Minya Nouvelle" charset="0"/>
               </a:rPr>
-              <a:t>Återigen en mycket intressant och mycket givande kurs av Leitet! 10/10 toasts! </a:t>
-            </a:r>
+              <a:t>Den bästa kursen hittills</a:t>
+            </a:r>
+            <a:endParaRPr lang="sv-SE" sz="1600" dirty="0">
+              <a:latin typeface="Minya Nouvelle" charset="0"/>
+            </a:endParaRPr>
           </a:p>
         </p:txBody>
       </p:sp>
@@ -3355,6 +3345,91 @@
           </a:p>
         </p:txBody>
       </p:sp>
+      <p:sp>
+        <p:nvSpPr>
+          <p:cNvPr id="4" name="Rectangle 3"/>
+          <p:cNvSpPr/>
+          <p:nvPr/>
+        </p:nvSpPr>
+        <p:spPr>
+          <a:xfrm>
+            <a:off x="1475656" y="1129308"/>
+            <a:ext cx="3096344" cy="646331"/>
+          </a:xfrm>
+          <a:prstGeom prst="rect">
+            <a:avLst/>
+          </a:prstGeom>
+        </p:spPr>
+        <p:txBody>
+          <a:bodyPr wrap="square">
+            <a:spAutoFit/>
+          </a:bodyPr>
+          <a:lstStyle/>
+          <a:p>
+            <a:r>
+              <a:rPr lang="en-US" dirty="0"/>
+              <a:t>Jag hade </a:t>
+            </a:r>
+            <a:r>
+              <a:rPr lang="en-US" dirty="0" err="1"/>
+              <a:t>kanske</a:t>
+            </a:r>
+            <a:r>
+              <a:rPr lang="en-US" dirty="0"/>
+              <a:t> </a:t>
+            </a:r>
+            <a:r>
+              <a:rPr lang="en-US" dirty="0" err="1"/>
+              <a:t>velat</a:t>
+            </a:r>
+            <a:r>
+              <a:rPr lang="en-US" dirty="0"/>
+              <a:t> </a:t>
+            </a:r>
+            <a:r>
+              <a:rPr lang="en-US" dirty="0" err="1"/>
+              <a:t>lära</a:t>
+            </a:r>
+            <a:r>
+              <a:rPr lang="en-US" dirty="0"/>
+              <a:t> </a:t>
+            </a:r>
+            <a:r>
+              <a:rPr lang="en-US" dirty="0" err="1"/>
+              <a:t>mig</a:t>
+            </a:r>
+            <a:r>
+              <a:rPr lang="en-US" dirty="0"/>
+              <a:t> </a:t>
+            </a:r>
+            <a:r>
+              <a:rPr lang="en-US" dirty="0" err="1"/>
+              <a:t>mer</a:t>
+            </a:r>
+            <a:r>
+              <a:rPr lang="en-US" dirty="0"/>
+              <a:t> </a:t>
+            </a:r>
+            <a:r>
+              <a:rPr lang="en-US" dirty="0" err="1"/>
+              <a:t>om</a:t>
+            </a:r>
+            <a:r>
+              <a:rPr lang="en-US" dirty="0"/>
+              <a:t> </a:t>
+            </a:r>
+            <a:r>
+              <a:rPr lang="en-US" dirty="0" err="1" smtClean="0"/>
+              <a:t>ajax</a:t>
+            </a:r>
+            <a:r>
+              <a:rPr lang="en-US" dirty="0" smtClean="0"/>
+              <a:t>.</a:t>
+            </a:r>
+            <a:endParaRPr lang="en-US" dirty="0"/>
+          </a:p>
+        </p:txBody>
+      </p:sp>
     </p:spTree>
     <p:extLst>
       <p:ext uri="{BB962C8B-B14F-4D97-AF65-F5344CB8AC3E}">
@@ -3385,6 +3460,30 @@
           <a:chExt cx="0" cy="0"/>
         </a:xfrm>
       </p:grpSpPr>
+      <p:pic>
+        <p:nvPicPr>
+          <p:cNvPr id="17" name="Picture 16"/>
+          <p:cNvPicPr>
+            <a:picLocks noChangeAspect="1"/>
+          </p:cNvPicPr>
+          <p:nvPr/>
+        </p:nvPicPr>
+        <p:blipFill>
+          <a:blip r:embed="rId2"/>
+          <a:stretch>
+            <a:fillRect/>
+          </a:stretch>
+        </p:blipFill>
+        <p:spPr>
+          <a:xfrm>
+            <a:off x="5364088" y="2641476"/>
+            <a:ext cx="3098800" cy="2552700"/>
+          </a:xfrm>
+          <a:prstGeom prst="rect">
+            <a:avLst/>
+          </a:prstGeom>
+        </p:spPr>
+      </p:pic>
       <p:sp>
         <p:nvSpPr>
           <p:cNvPr id="2" name="Title 1"/>
@@ -3418,7 +3517,7 @@
         </p:nvSpPr>
         <p:spPr>
           <a:xfrm>
-            <a:off x="395536" y="3793604"/>
+            <a:off x="395536" y="1129308"/>
             <a:ext cx="8598024" cy="1872208"/>
           </a:xfrm>
           <a:prstGeom prst="rect">
@@ -3503,7 +3602,38 @@
               <a:rPr lang="sv-SE" sz="2400" b="1" dirty="0">
                 <a:latin typeface="Minya Nouvelle" pitchFamily="2" charset="0"/>
               </a:rPr>
-              <a:t>https://coursepress.lnu.se/kurs/webbteknik-i/</a:t>
+              <a:t>https://coursepress.lnu.se/kurs/webbteknik-i</a:t>
+            </a:r>
+            <a:r>
+              <a:rPr lang="sv-SE" sz="2400" b="1" dirty="0" smtClean="0">
+                <a:latin typeface="Minya Nouvelle" pitchFamily="2" charset="0"/>
+              </a:rPr>
+              <a:t>/</a:t>
+            </a:r>
+          </a:p>
+          <a:p>
+            <a:pPr marL="457200" lvl="0" indent="-457200">
+              <a:spcBef>
+                <a:spcPct val="20000"/>
+              </a:spcBef>
+              <a:buFontTx/>
+              <a:buAutoNum type="arabicParenR"/>
+              <a:defRPr/>
+            </a:pPr>
+            <a:r>
+              <a:rPr kumimoji="0" lang="sv-SE" sz="2400" b="1" i="0" u="none" strike="noStrike" kern="1200" cap="none" spc="0" normalizeH="0" baseline="0" noProof="0" dirty="0" smtClean="0">
+                <a:ln>
+                  <a:noFill/>
+                </a:ln>
+                <a:solidFill>
+                  <a:schemeClr val="tx1"/>
+                </a:solidFill>
+                <a:effectLst/>
+                <a:uLnTx/>
+                <a:uFillTx/>
+                <a:latin typeface="Minya Nouvelle" pitchFamily="2" charset="0"/>
+              </a:rPr>
+              <a:t>V44:</a:t>
             </a:r>
             <a:endParaRPr kumimoji="0" lang="sv-SE" sz="2400" b="1" i="0" u="none" strike="noStrike" kern="1200" cap="none" spc="0" normalizeH="0" baseline="0" noProof="0" dirty="0" smtClean="0">
               <a:ln>
@@ -3522,45 +3652,293 @@
       </p:sp>
       <p:pic>
         <p:nvPicPr>
-          <p:cNvPr id="7170" name="Picture 2" descr="L:\WorkSpace\tstjo\Icons\v_collection_png\256x256\shadow\users4_add.png"/>
+          <p:cNvPr id="5" name="Picture 4"/>
           <p:cNvPicPr>
-            <a:picLocks noChangeAspect="1" noChangeArrowheads="1"/>
+            <a:picLocks noChangeAspect="1"/>
           </p:cNvPicPr>
           <p:nvPr/>
         </p:nvPicPr>
         <p:blipFill>
-          <a:blip r:embed="rId2">
-            <a:extLst>
-              <a:ext uri="{28A0092B-C50C-407E-A947-70E740481C1C}">
-                <a14:useLocalDpi xmlns:a14="http://schemas.microsoft.com/office/drawing/2010/main" val="0"/>
-              </a:ext>
-            </a:extLst>
-          </a:blip>
-          <a:srcRect/>
+          <a:blip r:embed="rId3"/>
           <a:stretch>
             <a:fillRect/>
           </a:stretch>
         </p:blipFill>
-        <p:spPr bwMode="auto">
+        <p:spPr>
           <a:xfrm>
-            <a:off x="6156176" y="1250288"/>
-            <a:ext cx="2438400" cy="2438400"/>
+            <a:off x="1115616" y="2693764"/>
+            <a:ext cx="3073400" cy="2324100"/>
           </a:xfrm>
           <a:prstGeom prst="rect">
             <a:avLst/>
           </a:prstGeom>
-          <a:noFill/>
-          <a:extLst>
-            <a:ext uri="{909E8E84-426E-40dd-AFC4-6F175D3DCCD1}">
-              <a14:hiddenFill xmlns:a14="http://schemas.microsoft.com/office/drawing/2010/main">
-                <a:solidFill>
-                  <a:srgbClr val="FFFFFF"/>
-                </a:solidFill>
-              </a14:hiddenFill>
-            </a:ext>
-          </a:extLst>
         </p:spPr>
       </p:pic>
+      <p:cxnSp>
+        <p:nvCxnSpPr>
+          <p:cNvPr id="8" name="Straight Arrow Connector 7"/>
+          <p:cNvCxnSpPr/>
+          <p:nvPr/>
+        </p:nvCxnSpPr>
+        <p:spPr>
+          <a:xfrm>
+            <a:off x="611560" y="4061916"/>
+            <a:ext cx="648072" cy="0"/>
+          </a:xfrm>
+          <a:prstGeom prst="straightConnector1">
+            <a:avLst/>
+          </a:prstGeom>
+          <a:ln>
+            <a:tailEnd type="arrow"/>
+          </a:ln>
+        </p:spPr>
+        <p:style>
+          <a:lnRef idx="3">
+            <a:schemeClr val="accent3"/>
+          </a:lnRef>
+          <a:fillRef idx="0">
+            <a:schemeClr val="accent3"/>
+          </a:fillRef>
+          <a:effectRef idx="2">
+            <a:schemeClr val="accent3"/>
+          </a:effectRef>
+          <a:fontRef idx="minor">
+            <a:schemeClr val="tx1"/>
+          </a:fontRef>
+        </p:style>
+      </p:cxnSp>
+      <p:cxnSp>
+        <p:nvCxnSpPr>
+          <p:cNvPr id="10" name="Straight Arrow Connector 9"/>
+          <p:cNvCxnSpPr/>
+          <p:nvPr/>
+        </p:nvCxnSpPr>
+        <p:spPr>
+          <a:xfrm>
+            <a:off x="611560" y="4421956"/>
+            <a:ext cx="648072" cy="0"/>
+          </a:xfrm>
+          <a:prstGeom prst="straightConnector1">
+            <a:avLst/>
+          </a:prstGeom>
+          <a:ln>
+            <a:tailEnd type="arrow"/>
+          </a:ln>
+        </p:spPr>
+        <p:style>
+          <a:lnRef idx="3">
+            <a:schemeClr val="accent3"/>
+          </a:lnRef>
+          <a:fillRef idx="0">
+            <a:schemeClr val="accent3"/>
+          </a:fillRef>
+          <a:effectRef idx="2">
+            <a:schemeClr val="accent3"/>
+          </a:effectRef>
+          <a:fontRef idx="minor">
+            <a:schemeClr val="tx1"/>
+          </a:fontRef>
+        </p:style>
+      </p:cxnSp>
+      <p:cxnSp>
+        <p:nvCxnSpPr>
+          <p:cNvPr id="11" name="Straight Arrow Connector 10"/>
+          <p:cNvCxnSpPr/>
+          <p:nvPr/>
+        </p:nvCxnSpPr>
+        <p:spPr>
+          <a:xfrm>
+            <a:off x="611560" y="4781996"/>
+            <a:ext cx="648072" cy="0"/>
+          </a:xfrm>
+          <a:prstGeom prst="straightConnector1">
+            <a:avLst/>
+          </a:prstGeom>
+          <a:ln>
+            <a:tailEnd type="arrow"/>
+          </a:ln>
+        </p:spPr>
+        <p:style>
+          <a:lnRef idx="3">
+            <a:schemeClr val="accent3"/>
+          </a:lnRef>
+          <a:fillRef idx="0">
+            <a:schemeClr val="accent3"/>
+          </a:fillRef>
+          <a:effectRef idx="2">
+            <a:schemeClr val="accent3"/>
+          </a:effectRef>
+          <a:fontRef idx="minor">
+            <a:schemeClr val="tx1"/>
+          </a:fontRef>
+        </p:style>
+      </p:cxnSp>
+      <p:cxnSp>
+        <p:nvCxnSpPr>
+          <p:cNvPr id="12" name="Straight Arrow Connector 11"/>
+          <p:cNvCxnSpPr/>
+          <p:nvPr/>
+        </p:nvCxnSpPr>
+        <p:spPr>
+          <a:xfrm>
+            <a:off x="4788024" y="3629868"/>
+            <a:ext cx="648072" cy="0"/>
+          </a:xfrm>
+          <a:prstGeom prst="straightConnector1">
+            <a:avLst/>
+          </a:prstGeom>
+          <a:ln>
+            <a:tailEnd type="arrow"/>
+          </a:ln>
+        </p:spPr>
+        <p:style>
+          <a:lnRef idx="3">
+            <a:schemeClr val="accent3"/>
+          </a:lnRef>
+          <a:fillRef idx="0">
+            <a:schemeClr val="accent3"/>
+          </a:fillRef>
+          <a:effectRef idx="2">
+            <a:schemeClr val="accent3"/>
+          </a:effectRef>
+          <a:fontRef idx="minor">
+            <a:schemeClr val="tx1"/>
+          </a:fontRef>
+        </p:style>
+      </p:cxnSp>
+      <p:cxnSp>
+        <p:nvCxnSpPr>
+          <p:cNvPr id="13" name="Straight Arrow Connector 12"/>
+          <p:cNvCxnSpPr/>
+          <p:nvPr/>
+        </p:nvCxnSpPr>
+        <p:spPr>
+          <a:xfrm>
+            <a:off x="4788024" y="3917900"/>
+            <a:ext cx="648072" cy="0"/>
+          </a:xfrm>
+          <a:prstGeom prst="straightConnector1">
+            <a:avLst/>
+          </a:prstGeom>
+          <a:ln>
+            <a:tailEnd type="arrow"/>
+          </a:ln>
+        </p:spPr>
+        <p:style>
+          <a:lnRef idx="3">
+            <a:schemeClr val="accent3"/>
+          </a:lnRef>
+          <a:fillRef idx="0">
+            <a:schemeClr val="accent3"/>
+          </a:fillRef>
+          <a:effectRef idx="2">
+            <a:schemeClr val="accent3"/>
+          </a:effectRef>
+          <a:fontRef idx="minor">
+            <a:schemeClr val="tx1"/>
+          </a:fontRef>
+        </p:style>
+      </p:cxnSp>
+      <p:cxnSp>
+        <p:nvCxnSpPr>
+          <p:cNvPr id="14" name="Straight Arrow Connector 13"/>
+          <p:cNvCxnSpPr/>
+          <p:nvPr/>
+        </p:nvCxnSpPr>
+        <p:spPr>
+          <a:xfrm>
+            <a:off x="4788024" y="4277940"/>
+            <a:ext cx="648072" cy="0"/>
+          </a:xfrm>
+          <a:prstGeom prst="straightConnector1">
+            <a:avLst/>
+          </a:prstGeom>
+          <a:ln>
+            <a:tailEnd type="arrow"/>
+          </a:ln>
+        </p:spPr>
+        <p:style>
+          <a:lnRef idx="3">
+            <a:schemeClr val="accent3"/>
+          </a:lnRef>
+          <a:fillRef idx="0">
+            <a:schemeClr val="accent3"/>
+          </a:fillRef>
+          <a:effectRef idx="2">
+            <a:schemeClr val="accent3"/>
+          </a:effectRef>
+          <a:fontRef idx="minor">
+            <a:schemeClr val="tx1"/>
+          </a:fontRef>
+        </p:style>
+      </p:cxnSp>
+      <p:cxnSp>
+        <p:nvCxnSpPr>
+          <p:cNvPr id="15" name="Straight Arrow Connector 14"/>
+          <p:cNvCxnSpPr/>
+          <p:nvPr/>
+        </p:nvCxnSpPr>
+        <p:spPr>
+          <a:xfrm>
+            <a:off x="4788024" y="4637980"/>
+            <a:ext cx="648072" cy="0"/>
+          </a:xfrm>
+          <a:prstGeom prst="straightConnector1">
+            <a:avLst/>
+          </a:prstGeom>
+          <a:ln>
+            <a:tailEnd type="arrow"/>
+          </a:ln>
+        </p:spPr>
+        <p:style>
+          <a:lnRef idx="3">
+            <a:schemeClr val="accent3"/>
+          </a:lnRef>
+          <a:fillRef idx="0">
+            <a:schemeClr val="accent3"/>
+          </a:fillRef>
+          <a:effectRef idx="2">
+            <a:schemeClr val="accent3"/>
+          </a:effectRef>
+          <a:fontRef idx="minor">
+            <a:schemeClr val="tx1"/>
+          </a:fontRef>
+        </p:style>
+      </p:cxnSp>
+      <p:cxnSp>
+        <p:nvCxnSpPr>
+          <p:cNvPr id="16" name="Straight Arrow Connector 15"/>
+          <p:cNvCxnSpPr/>
+          <p:nvPr/>
+        </p:nvCxnSpPr>
+        <p:spPr>
+          <a:xfrm>
+            <a:off x="4788024" y="4926012"/>
+            <a:ext cx="648072" cy="0"/>
+          </a:xfrm>
+          <a:prstGeom prst="straightConnector1">
+            <a:avLst/>
+          </a:prstGeom>
+          <a:ln>
+            <a:prstDash val="sysDash"/>
+            <a:tailEnd type="arrow"/>
+          </a:ln>
+        </p:spPr>
+        <p:style>
+          <a:lnRef idx="3">
+            <a:schemeClr val="accent3"/>
+          </a:lnRef>
+          <a:fillRef idx="0">
+            <a:schemeClr val="accent3"/>
+          </a:fillRef>
+          <a:effectRef idx="2">
+            <a:schemeClr val="accent3"/>
+          </a:effectRef>
+          <a:fontRef idx="minor">
+            <a:schemeClr val="tx1"/>
+          </a:fontRef>
+        </p:style>
+      </p:cxnSp>
     </p:spTree>
   </p:cSld>
   <p:clrMapOvr>
@@ -4462,7 +4840,7 @@
         </p:blipFill>
         <p:spPr bwMode="auto">
           <a:xfrm>
-            <a:off x="3857620" y="1214426"/>
+            <a:off x="3923928" y="2425452"/>
             <a:ext cx="4524375" cy="1790700"/>
           </a:xfrm>
           <a:prstGeom prst="rect">
@@ -4740,31 +5118,32 @@
           <p:nvPr>
             <p:extLst>
               <p:ext uri="{D42A27DB-BD31-4B8C-83A1-F6EECF244321}">
-                <p14:modId xmlns:p14="http://schemas.microsoft.com/office/powerpoint/2010/main" val="2555779359"/>
+                <p14:modId xmlns:p14="http://schemas.microsoft.com/office/powerpoint/2010/main" val="3478234520"/>
               </p:ext>
             </p:extLst>
           </p:nvPr>
         </p:nvGraphicFramePr>
         <p:xfrm>
-          <a:off x="304800" y="1079500"/>
-          <a:ext cx="8458200" cy="1954737"/>
+          <a:off x="304800" y="2137420"/>
+          <a:ext cx="8458200" cy="1971924"/>
         </p:xfrm>
         <a:graphic>
           <a:graphicData uri="http://schemas.openxmlformats.org/drawingml/2006/table">
             <a:tbl>
               <a:tblPr/>
               <a:tblGrid>
-                <a:gridCol w="1066800"/>
-                <a:gridCol w="685800"/>
-                <a:gridCol w="762000"/>
-                <a:gridCol w="685800"/>
-                <a:gridCol w="762000"/>
-                <a:gridCol w="733428"/>
-                <a:gridCol w="785818"/>
-                <a:gridCol w="614354"/>
-                <a:gridCol w="762000"/>
-                <a:gridCol w="762000"/>
-                <a:gridCol w="838200"/>
+                <a:gridCol w="986790"/>
+                <a:gridCol w="634365"/>
+                <a:gridCol w="701829"/>
+                <a:gridCol w="637386"/>
+                <a:gridCol w="802774"/>
+                <a:gridCol w="792088"/>
+                <a:gridCol w="648072"/>
+                <a:gridCol w="501584"/>
+                <a:gridCol w="568277"/>
+                <a:gridCol w="704850"/>
+                <a:gridCol w="704850"/>
+                <a:gridCol w="775335"/>
               </a:tblGrid>
               <a:tr h="259080">
                 <a:tc>
@@ -4802,6 +5181,108 @@
                   </a:txBody>
                   <a:tcPr marT="38100" marB="38100" horzOverflow="overflow">
                     <a:lnL w="28575" cap="flat" cmpd="sng" algn="ctr">
+                      <a:solidFill>
+                        <a:schemeClr val="tx1"/>
+                      </a:solidFill>
+                      <a:prstDash val="solid"/>
+                      <a:round/>
+                      <a:headEnd type="none" w="med" len="med"/>
+                      <a:tailEnd type="none" w="med" len="med"/>
+                    </a:lnL>
+                    <a:lnR w="12700" cap="flat" cmpd="sng" algn="ctr">
+                      <a:solidFill>
+                        <a:schemeClr val="tx1"/>
+                      </a:solidFill>
+                      <a:prstDash val="solid"/>
+                      <a:round/>
+                      <a:headEnd type="none" w="med" len="med"/>
+                      <a:tailEnd type="none" w="med" len="med"/>
+                    </a:lnR>
+                    <a:lnT w="28575" cap="flat" cmpd="sng" algn="ctr">
+                      <a:solidFill>
+                        <a:schemeClr val="tx1"/>
+                      </a:solidFill>
+                      <a:prstDash val="solid"/>
+                      <a:round/>
+                      <a:headEnd type="none" w="med" len="med"/>
+                      <a:tailEnd type="none" w="med" len="med"/>
+                    </a:lnT>
+                    <a:lnB w="12700" cap="flat" cmpd="sng" algn="ctr">
+                      <a:solidFill>
+                        <a:schemeClr val="tx1"/>
+                      </a:solidFill>
+                      <a:prstDash val="solid"/>
+                      <a:round/>
+                      <a:headEnd type="none" w="med" len="med"/>
+                      <a:tailEnd type="none" w="med" len="med"/>
+                    </a:lnB>
+                    <a:lnTlToBr>
+                      <a:noFill/>
+                    </a:lnTlToBr>
+                    <a:lnBlToTr>
+                      <a:noFill/>
+                    </a:lnBlToTr>
+                    <a:gradFill rotWithShape="0">
+                      <a:gsLst>
+                        <a:gs pos="0">
+                          <a:schemeClr val="bg1"/>
+                        </a:gs>
+                        <a:gs pos="100000">
+                          <a:srgbClr val="EAEAEA"/>
+                        </a:gs>
+                      </a:gsLst>
+                      <a:lin ang="5400000" scaled="1"/>
+                    </a:gradFill>
+                  </a:tcPr>
+                </a:tc>
+                <a:tc>
+                  <a:txBody>
+                    <a:bodyPr/>
+                    <a:lstStyle/>
+                    <a:p>
+                      <a:pPr marL="0" marR="0" lvl="0" indent="0" algn="ctr" defTabSz="914400" rtl="0" eaLnBrk="1" fontAlgn="base" latinLnBrk="0" hangingPunct="1">
+                        <a:lnSpc>
+                          <a:spcPct val="100000"/>
+                        </a:lnSpc>
+                        <a:spcBef>
+                          <a:spcPct val="20000"/>
+                        </a:spcBef>
+                        <a:spcAft>
+                          <a:spcPct val="0"/>
+                        </a:spcAft>
+                        <a:buClrTx/>
+                        <a:buSzTx/>
+                        <a:buFontTx/>
+                        <a:buNone/>
+                        <a:tabLst/>
+                      </a:pPr>
+                      <a:r>
+                        <a:rPr kumimoji="0" lang="sv-SE" sz="1200" b="1" i="0" u="none" strike="noStrike" cap="none" normalizeH="0" baseline="0" dirty="0" smtClean="0">
+                          <a:ln>
+                            <a:noFill/>
+                          </a:ln>
+                          <a:solidFill>
+                            <a:schemeClr val="tx1"/>
+                          </a:solidFill>
+                          <a:effectLst/>
+                          <a:latin typeface="Verdana" pitchFamily="34" charset="0"/>
+                        </a:rPr>
+                        <a:t>v45</a:t>
+                      </a:r>
+                      <a:endParaRPr kumimoji="0" lang="sv-SE" sz="1200" b="1" i="0" u="none" strike="noStrike" cap="none" normalizeH="0" baseline="0" dirty="0" smtClean="0">
+                        <a:ln>
+                          <a:noFill/>
+                        </a:ln>
+                        <a:solidFill>
+                          <a:schemeClr val="tx1"/>
+                        </a:solidFill>
+                        <a:effectLst/>
+                        <a:latin typeface="Verdana" pitchFamily="34" charset="0"/>
+                      </a:endParaRPr>
+                    </a:p>
+                  </a:txBody>
+                  <a:tcPr marT="38100" marB="38100" horzOverflow="overflow">
+                    <a:lnL w="12700" cap="flat" cmpd="sng" algn="ctr">
                       <a:solidFill>
                         <a:schemeClr val="tx1"/>
                       </a:solidFill>
@@ -5882,6 +6363,38 @@
                         <a:tabLst/>
                       </a:pPr>
                       <a:r>
+                        <a:rPr kumimoji="0" lang="sv-SE" sz="1300" b="0" i="1" u="none" strike="noStrike" cap="none" normalizeH="0" baseline="0" dirty="0" smtClean="0">
+                          <a:ln>
+                            <a:noFill/>
+                          </a:ln>
+                          <a:solidFill>
+                            <a:schemeClr val="tx1"/>
+                          </a:solidFill>
+                          <a:effectLst/>
+                          <a:latin typeface="Verdana" pitchFamily="34" charset="0"/>
+                        </a:rPr>
+                        <a:t>FFF</a:t>
+                      </a:r>
+                    </a:p>
+                    <a:p>
+                      <a:pPr marL="0" marR="0" lvl="0" indent="0" algn="ctr" defTabSz="914400" rtl="0" eaLnBrk="1" fontAlgn="base" latinLnBrk="0" hangingPunct="1">
+                        <a:lnSpc>
+                          <a:spcPct val="100000"/>
+                        </a:lnSpc>
+                        <a:spcBef>
+                          <a:spcPct val="20000"/>
+                        </a:spcBef>
+                        <a:spcAft>
+                          <a:spcPct val="0"/>
+                        </a:spcAft>
+                        <a:buClrTx/>
+                        <a:buSzTx/>
+                        <a:buFontTx/>
+                        <a:buNone/>
+                        <a:tabLst/>
+                        <a:defRPr/>
+                      </a:pPr>
+                      <a:r>
                         <a:rPr kumimoji="0" lang="sv-SE" sz="1300" b="1" i="0" u="none" strike="noStrike" cap="none" normalizeH="0" baseline="0" dirty="0" smtClean="0">
                           <a:ln>
                             <a:noFill/>
@@ -5892,7 +6405,135 @@
                           <a:effectLst/>
                           <a:latin typeface="Verdana" pitchFamily="34" charset="0"/>
                         </a:rPr>
-                        <a:t>FFF</a:t>
+                        <a:t>L1</a:t>
+                      </a:r>
+                    </a:p>
+                    <a:p>
+                      <a:pPr marL="0" marR="0" lvl="0" indent="0" algn="ctr" defTabSz="914400" rtl="0" eaLnBrk="1" fontAlgn="base" latinLnBrk="0" hangingPunct="1">
+                        <a:lnSpc>
+                          <a:spcPct val="100000"/>
+                        </a:lnSpc>
+                        <a:spcBef>
+                          <a:spcPct val="20000"/>
+                        </a:spcBef>
+                        <a:spcAft>
+                          <a:spcPct val="0"/>
+                        </a:spcAft>
+                        <a:buClrTx/>
+                        <a:buSzTx/>
+                        <a:buFontTx/>
+                        <a:buNone/>
+                        <a:tabLst/>
+                      </a:pPr>
+                      <a:endParaRPr kumimoji="0" lang="sv-SE" sz="1300" b="0" i="1" u="none" strike="noStrike" cap="none" normalizeH="0" baseline="0" dirty="0" smtClean="0">
+                        <a:ln>
+                          <a:noFill/>
+                        </a:ln>
+                        <a:solidFill>
+                          <a:schemeClr val="tx1"/>
+                        </a:solidFill>
+                        <a:effectLst/>
+                        <a:latin typeface="Verdana" pitchFamily="34" charset="0"/>
+                      </a:endParaRPr>
+                    </a:p>
+                  </a:txBody>
+                  <a:tcPr marT="38100" marB="38100" horzOverflow="overflow">
+                    <a:lnL w="12700" cap="flat" cmpd="sng" algn="ctr">
+                      <a:solidFill>
+                        <a:schemeClr val="tx1"/>
+                      </a:solidFill>
+                      <a:prstDash val="solid"/>
+                      <a:round/>
+                      <a:headEnd type="none" w="med" len="med"/>
+                      <a:tailEnd type="none" w="med" len="med"/>
+                    </a:lnL>
+                    <a:lnR w="12700" cap="flat" cmpd="sng" algn="ctr">
+                      <a:solidFill>
+                        <a:schemeClr val="tx1"/>
+                      </a:solidFill>
+                      <a:prstDash val="solid"/>
+                      <a:round/>
+                      <a:headEnd type="none" w="med" len="med"/>
+                      <a:tailEnd type="none" w="med" len="med"/>
+                    </a:lnR>
+                    <a:lnT w="12700" cap="flat" cmpd="sng" algn="ctr">
+                      <a:solidFill>
+                        <a:schemeClr val="tx1"/>
+                      </a:solidFill>
+                      <a:prstDash val="solid"/>
+                      <a:round/>
+                      <a:headEnd type="none" w="med" len="med"/>
+                      <a:tailEnd type="none" w="med" len="med"/>
+                    </a:lnT>
+                    <a:lnB w="12700" cap="flat" cmpd="sng" algn="ctr">
+                      <a:solidFill>
+                        <a:schemeClr val="tx1"/>
+                      </a:solidFill>
+                      <a:prstDash val="solid"/>
+                      <a:round/>
+                      <a:headEnd type="none" w="med" len="med"/>
+                      <a:tailEnd type="none" w="med" len="med"/>
+                    </a:lnB>
+                    <a:lnTlToBr>
+                      <a:noFill/>
+                    </a:lnTlToBr>
+                    <a:lnBlToTr>
+                      <a:noFill/>
+                    </a:lnBlToTr>
+                    <a:solidFill>
+                      <a:schemeClr val="accent5">
+                        <a:lumMod val="60000"/>
+                        <a:lumOff val="40000"/>
+                      </a:schemeClr>
+                    </a:solidFill>
+                  </a:tcPr>
+                </a:tc>
+                <a:tc>
+                  <a:txBody>
+                    <a:bodyPr/>
+                    <a:lstStyle/>
+                    <a:p>
+                      <a:pPr marL="0" marR="0" lvl="0" indent="0" algn="ctr" defTabSz="914400" rtl="0" eaLnBrk="1" fontAlgn="base" latinLnBrk="0" hangingPunct="1">
+                        <a:lnSpc>
+                          <a:spcPct val="100000"/>
+                        </a:lnSpc>
+                        <a:spcBef>
+                          <a:spcPct val="20000"/>
+                        </a:spcBef>
+                        <a:spcAft>
+                          <a:spcPct val="0"/>
+                        </a:spcAft>
+                        <a:buClrTx/>
+                        <a:buSzTx/>
+                        <a:buFontTx/>
+                        <a:buNone/>
+                        <a:tabLst/>
+                      </a:pPr>
+                      <a:r>
+                        <a:rPr kumimoji="0" lang="sv-SE" sz="1300" b="1" i="0" u="none" strike="noStrike" cap="none" normalizeH="0" baseline="0" dirty="0" smtClean="0">
+                          <a:ln>
+                            <a:noFill/>
+                          </a:ln>
+                          <a:solidFill>
+                            <a:schemeClr val="tx1"/>
+                          </a:solidFill>
+                          <a:effectLst/>
+                          <a:latin typeface="Verdana" pitchFamily="34" charset="0"/>
+                        </a:rPr>
+                        <a:t>FF</a:t>
+                      </a:r>
+                      <a:r>
+                        <a:rPr kumimoji="0" lang="sv-SE" sz="1300" b="1" i="0" u="none" strike="noStrike" cap="none" normalizeH="0" baseline="0" dirty="0" smtClean="0">
+                          <a:ln>
+                            <a:noFill/>
+                          </a:ln>
+                          <a:solidFill>
+                            <a:schemeClr val="tx1"/>
+                          </a:solidFill>
+                          <a:effectLst/>
+                          <a:latin typeface="Verdana" pitchFamily="34" charset="0"/>
+                        </a:rPr>
+                        <a:t/>
                       </a:r>
                       <a:br>
                         <a:rPr kumimoji="0" lang="sv-SE" sz="1300" b="1" i="0" u="none" strike="noStrike" cap="none" normalizeH="0" baseline="0" dirty="0" smtClean="0">
@@ -5906,19 +6547,16 @@
                           <a:latin typeface="Verdana" pitchFamily="34" charset="0"/>
                         </a:rPr>
                       </a:br>
-                      <a:r>
-                        <a:rPr kumimoji="0" lang="sv-SE" sz="1300" b="1" i="0" u="none" strike="noStrike" cap="none" normalizeH="0" baseline="0" dirty="0" smtClean="0">
-                          <a:ln>
-                            <a:noFill/>
-                          </a:ln>
-                          <a:solidFill>
-                            <a:schemeClr val="tx1"/>
-                          </a:solidFill>
-                          <a:effectLst/>
-                          <a:latin typeface="Verdana" pitchFamily="34" charset="0"/>
-                        </a:rPr>
-                        <a:t>L1</a:t>
-                      </a:r>
+                      <a:endParaRPr kumimoji="0" lang="sv-SE" sz="1300" b="1" i="0" u="none" strike="noStrike" cap="none" normalizeH="0" baseline="0" dirty="0" smtClean="0">
+                        <a:ln>
+                          <a:noFill/>
+                        </a:ln>
+                        <a:solidFill>
+                          <a:schemeClr val="tx1"/>
+                        </a:solidFill>
+                        <a:effectLst/>
+                        <a:latin typeface="Verdana" pitchFamily="34" charset="0"/>
+                      </a:endParaRPr>
                     </a:p>
                   </a:txBody>
                   <a:tcPr marT="38100" marB="38100" horzOverflow="overflow">
@@ -6130,115 +6768,6 @@
                           <a:latin typeface="Verdana" pitchFamily="34" charset="0"/>
                         </a:rPr>
                       </a:br>
-                      <a:endParaRPr kumimoji="0" lang="sv-SE" sz="1300" b="1" i="0" u="none" strike="noStrike" cap="none" normalizeH="0" baseline="0" dirty="0" smtClean="0">
-                        <a:ln>
-                          <a:noFill/>
-                        </a:ln>
-                        <a:solidFill>
-                          <a:schemeClr val="tx1"/>
-                        </a:solidFill>
-                        <a:effectLst/>
-                        <a:latin typeface="Verdana" pitchFamily="34" charset="0"/>
-                      </a:endParaRPr>
-                    </a:p>
-                  </a:txBody>
-                  <a:tcPr marT="38100" marB="38100" horzOverflow="overflow">
-                    <a:lnL w="12700" cap="flat" cmpd="sng" algn="ctr">
-                      <a:solidFill>
-                        <a:schemeClr val="tx1"/>
-                      </a:solidFill>
-                      <a:prstDash val="solid"/>
-                      <a:round/>
-                      <a:headEnd type="none" w="med" len="med"/>
-                      <a:tailEnd type="none" w="med" len="med"/>
-                    </a:lnL>
-                    <a:lnR w="12700" cap="flat" cmpd="sng" algn="ctr">
-                      <a:solidFill>
-                        <a:schemeClr val="tx1"/>
-                      </a:solidFill>
-                      <a:prstDash val="solid"/>
-                      <a:round/>
-                      <a:headEnd type="none" w="med" len="med"/>
-                      <a:tailEnd type="none" w="med" len="med"/>
-                    </a:lnR>
-                    <a:lnT w="12700" cap="flat" cmpd="sng" algn="ctr">
-                      <a:solidFill>
-                        <a:schemeClr val="tx1"/>
-                      </a:solidFill>
-                      <a:prstDash val="solid"/>
-                      <a:round/>
-                      <a:headEnd type="none" w="med" len="med"/>
-                      <a:tailEnd type="none" w="med" len="med"/>
-                    </a:lnT>
-                    <a:lnB w="12700" cap="flat" cmpd="sng" algn="ctr">
-                      <a:solidFill>
-                        <a:schemeClr val="tx1"/>
-                      </a:solidFill>
-                      <a:prstDash val="solid"/>
-                      <a:round/>
-                      <a:headEnd type="none" w="med" len="med"/>
-                      <a:tailEnd type="none" w="med" len="med"/>
-                    </a:lnB>
-                    <a:lnTlToBr>
-                      <a:noFill/>
-                    </a:lnTlToBr>
-                    <a:lnBlToTr>
-                      <a:noFill/>
-                    </a:lnBlToTr>
-                    <a:solidFill>
-                      <a:schemeClr val="accent5">
-                        <a:lumMod val="60000"/>
-                        <a:lumOff val="40000"/>
-                      </a:schemeClr>
-                    </a:solidFill>
-                  </a:tcPr>
-                </a:tc>
-                <a:tc>
-                  <a:txBody>
-                    <a:bodyPr/>
-                    <a:lstStyle/>
-                    <a:p>
-                      <a:pPr marL="0" marR="0" lvl="0" indent="0" algn="ctr" defTabSz="914400" rtl="0" eaLnBrk="1" fontAlgn="base" latinLnBrk="0" hangingPunct="1">
-                        <a:lnSpc>
-                          <a:spcPct val="100000"/>
-                        </a:lnSpc>
-                        <a:spcBef>
-                          <a:spcPct val="20000"/>
-                        </a:spcBef>
-                        <a:spcAft>
-                          <a:spcPct val="0"/>
-                        </a:spcAft>
-                        <a:buClrTx/>
-                        <a:buSzTx/>
-                        <a:buFontTx/>
-                        <a:buNone/>
-                        <a:tabLst/>
-                      </a:pPr>
-                      <a:r>
-                        <a:rPr kumimoji="0" lang="sv-SE" sz="1300" b="1" i="0" u="none" strike="noStrike" cap="none" normalizeH="0" baseline="0" dirty="0" smtClean="0">
-                          <a:ln>
-                            <a:noFill/>
-                          </a:ln>
-                          <a:solidFill>
-                            <a:schemeClr val="tx1"/>
-                          </a:solidFill>
-                          <a:effectLst/>
-                          <a:latin typeface="Verdana" pitchFamily="34" charset="0"/>
-                        </a:rPr>
-                        <a:t>FF</a:t>
-                      </a:r>
-                      <a:br>
-                        <a:rPr kumimoji="0" lang="sv-SE" sz="1300" b="1" i="0" u="none" strike="noStrike" cap="none" normalizeH="0" baseline="0" dirty="0" smtClean="0">
-                          <a:ln>
-                            <a:noFill/>
-                          </a:ln>
-                          <a:solidFill>
-                            <a:schemeClr val="tx1"/>
-                          </a:solidFill>
-                          <a:effectLst/>
-                          <a:latin typeface="Verdana" pitchFamily="34" charset="0"/>
-                        </a:rPr>
-                      </a:br>
                       <a:r>
                         <a:rPr kumimoji="0" lang="sv-SE" sz="1300" b="1" i="0" u="none" strike="noStrike" cap="none" normalizeH="0" baseline="0" dirty="0" smtClean="0">
                           <a:ln>
@@ -6252,6 +6781,16 @@
                         </a:rPr>
                         <a:t>L3</a:t>
                       </a:r>
+                      <a:endParaRPr kumimoji="0" lang="sv-SE" sz="1300" b="1" i="0" u="none" strike="noStrike" cap="none" normalizeH="0" baseline="0" dirty="0" smtClean="0">
+                        <a:ln>
+                          <a:noFill/>
+                        </a:ln>
+                        <a:solidFill>
+                          <a:schemeClr val="tx1"/>
+                        </a:solidFill>
+                        <a:effectLst/>
+                        <a:latin typeface="Verdana" pitchFamily="34" charset="0"/>
+                      </a:endParaRPr>
                     </a:p>
                   </a:txBody>
                   <a:tcPr marT="38100" marB="38100" horzOverflow="overflow">
@@ -6364,6 +6903,16 @@
                         </a:rPr>
                         <a:t>L4</a:t>
                       </a:r>
+                      <a:endParaRPr kumimoji="0" lang="sv-SE" sz="1300" b="1" i="0" u="none" strike="noStrike" cap="none" normalizeH="0" baseline="0" dirty="0" smtClean="0">
+                        <a:ln>
+                          <a:noFill/>
+                        </a:ln>
+                        <a:solidFill>
+                          <a:schemeClr val="tx1"/>
+                        </a:solidFill>
+                        <a:effectLst/>
+                        <a:latin typeface="Verdana" pitchFamily="34" charset="0"/>
+                      </a:endParaRPr>
                     </a:p>
                   </a:txBody>
                   <a:tcPr marT="38100" marB="38100" horzOverflow="overflow">
@@ -6463,6 +7012,141 @@
                           <a:latin typeface="Verdana" pitchFamily="34" charset="0"/>
                         </a:rPr>
                       </a:br>
+                      <a:r>
+                        <a:rPr kumimoji="0" lang="sv-SE" sz="1300" b="1" i="0" u="none" strike="noStrike" cap="none" normalizeH="0" baseline="0" dirty="0" smtClean="0">
+                          <a:ln>
+                            <a:noFill/>
+                          </a:ln>
+                          <a:solidFill>
+                            <a:schemeClr val="tx1"/>
+                          </a:solidFill>
+                          <a:effectLst/>
+                          <a:latin typeface="Verdana" pitchFamily="34" charset="0"/>
+                        </a:rPr>
+                        <a:t>P</a:t>
+                      </a:r>
+                      <a:endParaRPr kumimoji="0" lang="sv-SE" sz="1300" b="1" i="0" u="none" strike="noStrike" cap="none" normalizeH="0" baseline="0" dirty="0" smtClean="0">
+                        <a:ln>
+                          <a:noFill/>
+                        </a:ln>
+                        <a:solidFill>
+                          <a:schemeClr val="tx1"/>
+                        </a:solidFill>
+                        <a:effectLst/>
+                        <a:latin typeface="Verdana" pitchFamily="34" charset="0"/>
+                      </a:endParaRPr>
+                    </a:p>
+                  </a:txBody>
+                  <a:tcPr marT="38100" marB="38100" horzOverflow="overflow">
+                    <a:lnL w="12700" cap="flat" cmpd="sng" algn="ctr">
+                      <a:solidFill>
+                        <a:schemeClr val="tx1"/>
+                      </a:solidFill>
+                      <a:prstDash val="solid"/>
+                      <a:round/>
+                      <a:headEnd type="none" w="med" len="med"/>
+                      <a:tailEnd type="none" w="med" len="med"/>
+                    </a:lnL>
+                    <a:lnR w="12700" cap="flat" cmpd="sng" algn="ctr">
+                      <a:solidFill>
+                        <a:schemeClr val="tx1"/>
+                      </a:solidFill>
+                      <a:prstDash val="solid"/>
+                      <a:round/>
+                      <a:headEnd type="none" w="med" len="med"/>
+                      <a:tailEnd type="none" w="med" len="med"/>
+                    </a:lnR>
+                    <a:lnT w="12700" cap="flat" cmpd="sng" algn="ctr">
+                      <a:solidFill>
+                        <a:schemeClr val="tx1"/>
+                      </a:solidFill>
+                      <a:prstDash val="solid"/>
+                      <a:round/>
+                      <a:headEnd type="none" w="med" len="med"/>
+                      <a:tailEnd type="none" w="med" len="med"/>
+                    </a:lnT>
+                    <a:lnB w="12700" cap="flat" cmpd="sng" algn="ctr">
+                      <a:solidFill>
+                        <a:schemeClr val="tx1"/>
+                      </a:solidFill>
+                      <a:prstDash val="solid"/>
+                      <a:round/>
+                      <a:headEnd type="none" w="med" len="med"/>
+                      <a:tailEnd type="none" w="med" len="med"/>
+                    </a:lnB>
+                    <a:lnTlToBr>
+                      <a:noFill/>
+                    </a:lnTlToBr>
+                    <a:lnBlToTr>
+                      <a:noFill/>
+                    </a:lnBlToTr>
+                    <a:solidFill>
+                      <a:schemeClr val="accent5">
+                        <a:lumMod val="60000"/>
+                        <a:lumOff val="40000"/>
+                      </a:schemeClr>
+                    </a:solidFill>
+                  </a:tcPr>
+                </a:tc>
+                <a:tc>
+                  <a:txBody>
+                    <a:bodyPr/>
+                    <a:lstStyle/>
+                    <a:p>
+                      <a:pPr marL="0" marR="0" lvl="0" indent="0" algn="ctr" defTabSz="914400" rtl="0" eaLnBrk="1" fontAlgn="base" latinLnBrk="0" hangingPunct="1">
+                        <a:lnSpc>
+                          <a:spcPct val="100000"/>
+                        </a:lnSpc>
+                        <a:spcBef>
+                          <a:spcPct val="20000"/>
+                        </a:spcBef>
+                        <a:spcAft>
+                          <a:spcPct val="0"/>
+                        </a:spcAft>
+                        <a:buClrTx/>
+                        <a:buSzTx/>
+                        <a:buFontTx/>
+                        <a:buNone/>
+                        <a:tabLst/>
+                      </a:pPr>
+                      <a:r>
+                        <a:rPr kumimoji="0" lang="sv-SE" sz="1300" b="1" i="0" u="none" strike="noStrike" cap="none" normalizeH="0" baseline="0" dirty="0" smtClean="0">
+                          <a:ln>
+                            <a:noFill/>
+                          </a:ln>
+                          <a:solidFill>
+                            <a:schemeClr val="tx1"/>
+                          </a:solidFill>
+                          <a:effectLst/>
+                          <a:latin typeface="Verdana" pitchFamily="34" charset="0"/>
+                        </a:rPr>
+                        <a:t/>
+                      </a:r>
+                      <a:br>
+                        <a:rPr kumimoji="0" lang="sv-SE" sz="1300" b="1" i="0" u="none" strike="noStrike" cap="none" normalizeH="0" baseline="0" dirty="0" smtClean="0">
+                          <a:ln>
+                            <a:noFill/>
+                          </a:ln>
+                          <a:solidFill>
+                            <a:schemeClr val="tx1"/>
+                          </a:solidFill>
+                          <a:effectLst/>
+                          <a:latin typeface="Verdana" pitchFamily="34" charset="0"/>
+                        </a:rPr>
+                      </a:br>
+                      <a:r>
+                        <a:rPr kumimoji="0" lang="sv-SE" sz="1300" b="1" i="0" u="none" strike="noStrike" cap="none" normalizeH="0" baseline="0" dirty="0" smtClean="0">
+                          <a:ln>
+                            <a:noFill/>
+                          </a:ln>
+                          <a:solidFill>
+                            <a:schemeClr val="tx1"/>
+                          </a:solidFill>
+                          <a:effectLst/>
+                          <a:latin typeface="Verdana" pitchFamily="34" charset="0"/>
+                        </a:rPr>
+                        <a:t>P</a:t>
+                      </a:r>
                       <a:endParaRPr kumimoji="0" lang="sv-SE" sz="1300" b="1" i="0" u="none" strike="noStrike" cap="none" normalizeH="0" baseline="0" dirty="0" smtClean="0">
                         <a:ln>
                           <a:noFill/>
@@ -7151,6 +7835,7 @@
                         <a:buFontTx/>
                         <a:buNone/>
                         <a:tabLst/>
+                        <a:defRPr/>
                       </a:pPr>
                       <a:r>
                         <a:rPr kumimoji="0" lang="sv-SE" sz="1300" b="1" i="0" u="none" strike="noStrike" cap="none" normalizeH="0" baseline="0" dirty="0" smtClean="0">
@@ -7269,31 +7954,6 @@
                         <a:buNone/>
                         <a:tabLst/>
                       </a:pPr>
-                      <a:r>
-                        <a:rPr kumimoji="0" lang="sv-SE" sz="1300" b="1" i="0" u="none" strike="noStrike" cap="none" normalizeH="0" baseline="0" dirty="0" smtClean="0">
-                          <a:ln>
-                            <a:noFill/>
-                          </a:ln>
-                          <a:solidFill>
-                            <a:schemeClr val="tx1"/>
-                          </a:solidFill>
-                          <a:effectLst/>
-                          <a:latin typeface="Verdana" pitchFamily="34" charset="0"/>
-                        </a:rPr>
-                        <a:t/>
-                      </a:r>
-                      <a:br>
-                        <a:rPr kumimoji="0" lang="sv-SE" sz="1300" b="1" i="0" u="none" strike="noStrike" cap="none" normalizeH="0" baseline="0" dirty="0" smtClean="0">
-                          <a:ln>
-                            <a:noFill/>
-                          </a:ln>
-                          <a:solidFill>
-                            <a:schemeClr val="tx1"/>
-                          </a:solidFill>
-                          <a:effectLst/>
-                          <a:latin typeface="Verdana" pitchFamily="34" charset="0"/>
-                        </a:rPr>
-                      </a:br>
                       <a:endParaRPr kumimoji="0" lang="sv-SE" sz="1300" b="1" i="0" u="none" strike="noStrike" cap="none" normalizeH="0" baseline="0" dirty="0" smtClean="0">
                         <a:ln>
                           <a:noFill/>
@@ -7372,6 +8032,7 @@
                         <a:buFontTx/>
                         <a:buNone/>
                         <a:tabLst/>
+                        <a:defRPr/>
                       </a:pPr>
                       <a:r>
                         <a:rPr kumimoji="0" lang="sv-SE" sz="1300" b="1" i="0" u="none" strike="noStrike" cap="none" normalizeH="0" baseline="0" dirty="0" smtClean="0">
@@ -7422,6 +8083,34 @@
                         <a:latin typeface="Verdana" pitchFamily="34" charset="0"/>
                       </a:endParaRPr>
                     </a:p>
+                    <a:p>
+                      <a:pPr marL="0" marR="0" lvl="0" indent="0" algn="ctr" defTabSz="914400" rtl="0" eaLnBrk="1" fontAlgn="base" latinLnBrk="0" hangingPunct="1">
+                        <a:lnSpc>
+                          <a:spcPct val="100000"/>
+                        </a:lnSpc>
+                        <a:spcBef>
+                          <a:spcPct val="20000"/>
+                        </a:spcBef>
+                        <a:spcAft>
+                          <a:spcPct val="0"/>
+                        </a:spcAft>
+                        <a:buClrTx/>
+                        <a:buSzTx/>
+                        <a:buFontTx/>
+                        <a:buNone/>
+                        <a:tabLst/>
+                      </a:pPr>
+                      <a:endParaRPr kumimoji="0" lang="sv-SE" sz="1300" b="1" i="0" u="none" strike="noStrike" cap="none" normalizeH="0" baseline="0" dirty="0" smtClean="0">
+                        <a:ln>
+                          <a:noFill/>
+                        </a:ln>
+                        <a:solidFill>
+                          <a:schemeClr val="tx1"/>
+                        </a:solidFill>
+                        <a:effectLst/>
+                        <a:latin typeface="Verdana" pitchFamily="34" charset="0"/>
+                      </a:endParaRPr>
+                    </a:p>
                   </a:txBody>
                   <a:tcPr marT="38100" marB="38100" horzOverflow="overflow">
                     <a:lnL w="12700" cap="flat" cmpd="sng" algn="ctr">
@@ -7489,6 +8178,7 @@
                         <a:buFontTx/>
                         <a:buNone/>
                         <a:tabLst/>
+                        <a:defRPr/>
                       </a:pPr>
                       <a:r>
                         <a:rPr kumimoji="0" lang="sv-SE" sz="1300" b="1" i="0" u="none" strike="noStrike" cap="none" normalizeH="0" baseline="0" dirty="0" smtClean="0">
@@ -7539,6 +8229,34 @@
                         <a:latin typeface="Verdana" pitchFamily="34" charset="0"/>
                       </a:endParaRPr>
                     </a:p>
+                    <a:p>
+                      <a:pPr marL="0" marR="0" lvl="0" indent="0" algn="ctr" defTabSz="914400" rtl="0" eaLnBrk="1" fontAlgn="base" latinLnBrk="0" hangingPunct="1">
+                        <a:lnSpc>
+                          <a:spcPct val="100000"/>
+                        </a:lnSpc>
+                        <a:spcBef>
+                          <a:spcPct val="20000"/>
+                        </a:spcBef>
+                        <a:spcAft>
+                          <a:spcPct val="0"/>
+                        </a:spcAft>
+                        <a:buClrTx/>
+                        <a:buSzTx/>
+                        <a:buFontTx/>
+                        <a:buNone/>
+                        <a:tabLst/>
+                      </a:pPr>
+                      <a:endParaRPr kumimoji="0" lang="sv-SE" sz="1300" b="1" i="0" u="none" strike="noStrike" cap="none" normalizeH="0" baseline="0" dirty="0" smtClean="0">
+                        <a:ln>
+                          <a:noFill/>
+                        </a:ln>
+                        <a:solidFill>
+                          <a:schemeClr val="tx1"/>
+                        </a:solidFill>
+                        <a:effectLst/>
+                        <a:latin typeface="Verdana" pitchFamily="34" charset="0"/>
+                      </a:endParaRPr>
+                    </a:p>
                   </a:txBody>
                   <a:tcPr marT="38100" marB="38100" horzOverflow="overflow">
                     <a:lnL w="12700" cap="flat" cmpd="sng" algn="ctr">
@@ -7606,6 +8324,7 @@
                         <a:buFontTx/>
                         <a:buNone/>
                         <a:tabLst/>
+                        <a:defRPr/>
                       </a:pPr>
                       <a:r>
                         <a:rPr kumimoji="0" lang="sv-SE" sz="1300" b="1" i="0" u="none" strike="noStrike" cap="none" normalizeH="0" baseline="0" dirty="0" smtClean="0">
@@ -7656,6 +8375,113 @@
                         <a:latin typeface="Verdana" pitchFamily="34" charset="0"/>
                       </a:endParaRPr>
                     </a:p>
+                    <a:p>
+                      <a:pPr marL="0" marR="0" lvl="0" indent="0" algn="ctr" defTabSz="914400" rtl="0" eaLnBrk="1" fontAlgn="base" latinLnBrk="0" hangingPunct="1">
+                        <a:lnSpc>
+                          <a:spcPct val="100000"/>
+                        </a:lnSpc>
+                        <a:spcBef>
+                          <a:spcPct val="20000"/>
+                        </a:spcBef>
+                        <a:spcAft>
+                          <a:spcPct val="0"/>
+                        </a:spcAft>
+                        <a:buClrTx/>
+                        <a:buSzTx/>
+                        <a:buFontTx/>
+                        <a:buNone/>
+                        <a:tabLst/>
+                      </a:pPr>
+                      <a:endParaRPr kumimoji="0" lang="sv-SE" sz="1300" b="1" i="0" u="none" strike="noStrike" cap="none" normalizeH="0" baseline="0" dirty="0" smtClean="0">
+                        <a:ln>
+                          <a:noFill/>
+                        </a:ln>
+                        <a:solidFill>
+                          <a:schemeClr val="tx1"/>
+                        </a:solidFill>
+                        <a:effectLst/>
+                        <a:latin typeface="Verdana" pitchFamily="34" charset="0"/>
+                      </a:endParaRPr>
+                    </a:p>
+                  </a:txBody>
+                  <a:tcPr marT="38100" marB="38100" horzOverflow="overflow">
+                    <a:lnL w="12700" cap="flat" cmpd="sng" algn="ctr">
+                      <a:solidFill>
+                        <a:schemeClr val="tx1"/>
+                      </a:solidFill>
+                      <a:prstDash val="solid"/>
+                      <a:round/>
+                      <a:headEnd type="none" w="med" len="med"/>
+                      <a:tailEnd type="none" w="med" len="med"/>
+                    </a:lnL>
+                    <a:lnR w="12700" cap="flat" cmpd="sng" algn="ctr">
+                      <a:solidFill>
+                        <a:schemeClr val="tx1"/>
+                      </a:solidFill>
+                      <a:prstDash val="solid"/>
+                      <a:round/>
+                      <a:headEnd type="none" w="med" len="med"/>
+                      <a:tailEnd type="none" w="med" len="med"/>
+                    </a:lnR>
+                    <a:lnT w="12700" cap="flat" cmpd="sng" algn="ctr">
+                      <a:solidFill>
+                        <a:schemeClr val="tx1"/>
+                      </a:solidFill>
+                      <a:prstDash val="solid"/>
+                      <a:round/>
+                      <a:headEnd type="none" w="med" len="med"/>
+                      <a:tailEnd type="none" w="med" len="med"/>
+                    </a:lnT>
+                    <a:lnB w="12700" cap="flat" cmpd="sng" algn="ctr">
+                      <a:solidFill>
+                        <a:schemeClr val="tx1"/>
+                      </a:solidFill>
+                      <a:prstDash val="solid"/>
+                      <a:round/>
+                      <a:headEnd type="none" w="med" len="med"/>
+                      <a:tailEnd type="none" w="med" len="med"/>
+                    </a:lnB>
+                    <a:lnTlToBr>
+                      <a:noFill/>
+                    </a:lnTlToBr>
+                    <a:lnBlToTr>
+                      <a:noFill/>
+                    </a:lnBlToTr>
+                    <a:noFill/>
+                  </a:tcPr>
+                </a:tc>
+                <a:tc>
+                  <a:txBody>
+                    <a:bodyPr/>
+                    <a:lstStyle/>
+                    <a:p>
+                      <a:pPr marL="0" marR="0" lvl="0" indent="0" algn="ctr" defTabSz="914400" rtl="0" eaLnBrk="1" fontAlgn="base" latinLnBrk="0" hangingPunct="1">
+                        <a:lnSpc>
+                          <a:spcPct val="100000"/>
+                        </a:lnSpc>
+                        <a:spcBef>
+                          <a:spcPct val="20000"/>
+                        </a:spcBef>
+                        <a:spcAft>
+                          <a:spcPct val="0"/>
+                        </a:spcAft>
+                        <a:buClrTx/>
+                        <a:buSzTx/>
+                        <a:buFontTx/>
+                        <a:buNone/>
+                        <a:tabLst/>
+                      </a:pPr>
+                      <a:endParaRPr kumimoji="0" lang="sv-SE" sz="1300" b="1" i="0" u="none" strike="noStrike" cap="none" normalizeH="0" baseline="0" dirty="0" smtClean="0">
+                        <a:ln>
+                          <a:noFill/>
+                        </a:ln>
+                        <a:solidFill>
+                          <a:schemeClr val="tx1"/>
+                        </a:solidFill>
+                        <a:effectLst/>
+                        <a:latin typeface="Verdana" pitchFamily="34" charset="0"/>
+                      </a:endParaRPr>
+                    </a:p>
                   </a:txBody>
                   <a:tcPr marT="38100" marB="38100" horzOverflow="overflow">
                     <a:lnL w="12700" cap="flat" cmpd="sng" algn="ctr">
@@ -7965,7 +8791,7 @@
                         <a:tabLst/>
                       </a:pPr>
                       <a:r>
-                        <a:rPr kumimoji="0" lang="sv-SE" sz="2000" b="1" i="0" u="none" strike="noStrike" cap="none" normalizeH="0" baseline="0" dirty="0" smtClean="0">
+                        <a:rPr kumimoji="0" lang="sv-SE" sz="1400" b="1" i="0" u="none" strike="noStrike" cap="none" normalizeH="0" baseline="0" dirty="0" smtClean="0">
                           <a:ln>
                             <a:noFill/>
                           </a:ln>
@@ -7975,8 +8801,18 @@
                           <a:effectLst/>
                           <a:latin typeface="Verdana" pitchFamily="34" charset="0"/>
                         </a:rPr>
-                        <a:t>EX</a:t>
+                        <a:t>RP</a:t>
                       </a:r>
+                      <a:endParaRPr kumimoji="0" lang="sv-SE" sz="1400" b="1" i="0" u="none" strike="noStrike" cap="none" normalizeH="0" baseline="0" dirty="0" smtClean="0">
+                        <a:ln>
+                          <a:noFill/>
+                        </a:ln>
+                        <a:solidFill>
+                          <a:schemeClr val="tx1"/>
+                        </a:solidFill>
+                        <a:effectLst/>
+                        <a:latin typeface="Verdana" pitchFamily="34" charset="0"/>
+                      </a:endParaRPr>
                     </a:p>
                     <a:p>
                       <a:pPr marL="0" marR="0" lvl="0" indent="0" algn="ctr" defTabSz="914400" rtl="0" eaLnBrk="1" fontAlgn="base" latinLnBrk="0" hangingPunct="1">
@@ -8092,7 +8928,7 @@
         </p:nvSpPr>
         <p:spPr>
           <a:xfrm>
-            <a:off x="246202" y="3086298"/>
+            <a:off x="246202" y="4144218"/>
             <a:ext cx="8358246" cy="646331"/>
           </a:xfrm>
           <a:prstGeom prst="rect">
@@ -8128,7 +8964,7 @@
         </p:nvSpPr>
         <p:spPr>
           <a:xfrm>
-            <a:off x="1779104" y="1818861"/>
+            <a:off x="1619672" y="2979316"/>
             <a:ext cx="417444" cy="367748"/>
           </a:xfrm>
           <a:custGeom>
@@ -8225,7 +9061,7 @@
         </p:blipFill>
         <p:spPr bwMode="auto">
           <a:xfrm>
-            <a:off x="5796136" y="1781115"/>
+            <a:off x="6156176" y="2835300"/>
             <a:ext cx="283771" cy="283771"/>
           </a:xfrm>
           <a:prstGeom prst="rect">
@@ -8266,7 +9102,7 @@
         </p:blipFill>
         <p:spPr bwMode="auto">
           <a:xfrm>
-            <a:off x="6372200" y="1685747"/>
+            <a:off x="6660232" y="2763292"/>
             <a:ext cx="379139" cy="379139"/>
           </a:xfrm>
           <a:prstGeom prst="rect">
@@ -8309,8 +9145,8 @@
         </p:blipFill>
         <p:spPr bwMode="auto">
           <a:xfrm>
-            <a:off x="2555776" y="3505572"/>
-            <a:ext cx="3240360" cy="1911813"/>
+            <a:off x="7236296" y="4657700"/>
+            <a:ext cx="1409649" cy="831693"/>
           </a:xfrm>
           <a:prstGeom prst="rect">
             <a:avLst/>
@@ -8327,6 +9163,252 @@
           </a:extLst>
         </p:spPr>
       </p:pic>
+      <p:sp>
+        <p:nvSpPr>
+          <p:cNvPr id="9" name="Freeform 8"/>
+          <p:cNvSpPr/>
+          <p:nvPr/>
+        </p:nvSpPr>
+        <p:spPr>
+          <a:xfrm>
+            <a:off x="2987824" y="2979316"/>
+            <a:ext cx="417444" cy="367748"/>
+          </a:xfrm>
+          <a:custGeom>
+            <a:avLst/>
+            <a:gdLst>
+              <a:gd name="connsiteX0" fmla="*/ 0 w 417444"/>
+              <a:gd name="connsiteY0" fmla="*/ 0 h 367748"/>
+              <a:gd name="connsiteX1" fmla="*/ 99392 w 417444"/>
+              <a:gd name="connsiteY1" fmla="*/ 238539 h 367748"/>
+              <a:gd name="connsiteX2" fmla="*/ 417444 w 417444"/>
+              <a:gd name="connsiteY2" fmla="*/ 367748 h 367748"/>
+            </a:gdLst>
+            <a:ahLst/>
+            <a:cxnLst>
+              <a:cxn ang="0">
+                <a:pos x="connsiteX0" y="connsiteY0"/>
+              </a:cxn>
+              <a:cxn ang="0">
+                <a:pos x="connsiteX1" y="connsiteY1"/>
+              </a:cxn>
+              <a:cxn ang="0">
+                <a:pos x="connsiteX2" y="connsiteY2"/>
+              </a:cxn>
+            </a:cxnLst>
+            <a:rect l="l" t="t" r="r" b="b"/>
+            <a:pathLst>
+              <a:path w="417444" h="367748">
+                <a:moveTo>
+                  <a:pt x="0" y="0"/>
+                </a:moveTo>
+                <a:cubicBezTo>
+                  <a:pt x="14909" y="88624"/>
+                  <a:pt x="29818" y="177248"/>
+                  <a:pt x="99392" y="238539"/>
+                </a:cubicBezTo>
+                <a:cubicBezTo>
+                  <a:pt x="168966" y="299830"/>
+                  <a:pt x="293205" y="333789"/>
+                  <a:pt x="417444" y="367748"/>
+                </a:cubicBezTo>
+              </a:path>
+            </a:pathLst>
+          </a:custGeom>
+          <a:ln w="19050">
+            <a:solidFill>
+              <a:srgbClr val="FF0000"/>
+            </a:solidFill>
+            <a:tailEnd type="arrow"/>
+          </a:ln>
+        </p:spPr>
+        <p:style>
+          <a:lnRef idx="1">
+            <a:schemeClr val="accent1"/>
+          </a:lnRef>
+          <a:fillRef idx="0">
+            <a:schemeClr val="accent1"/>
+          </a:fillRef>
+          <a:effectRef idx="0">
+            <a:schemeClr val="accent1"/>
+          </a:effectRef>
+          <a:fontRef idx="minor">
+            <a:schemeClr val="tx1"/>
+          </a:fontRef>
+        </p:style>
+        <p:txBody>
+          <a:bodyPr rtlCol="0" anchor="ctr"/>
+          <a:lstStyle/>
+          <a:p>
+            <a:pPr algn="ctr"/>
+            <a:endParaRPr lang="sv-SE"/>
+          </a:p>
+        </p:txBody>
+      </p:sp>
+      <p:sp>
+        <p:nvSpPr>
+          <p:cNvPr id="10" name="Freeform 9"/>
+          <p:cNvSpPr/>
+          <p:nvPr/>
+        </p:nvSpPr>
+        <p:spPr>
+          <a:xfrm>
+            <a:off x="3851920" y="2979316"/>
+            <a:ext cx="417444" cy="367748"/>
+          </a:xfrm>
+          <a:custGeom>
+            <a:avLst/>
+            <a:gdLst>
+              <a:gd name="connsiteX0" fmla="*/ 0 w 417444"/>
+              <a:gd name="connsiteY0" fmla="*/ 0 h 367748"/>
+              <a:gd name="connsiteX1" fmla="*/ 99392 w 417444"/>
+              <a:gd name="connsiteY1" fmla="*/ 238539 h 367748"/>
+              <a:gd name="connsiteX2" fmla="*/ 417444 w 417444"/>
+              <a:gd name="connsiteY2" fmla="*/ 367748 h 367748"/>
+            </a:gdLst>
+            <a:ahLst/>
+            <a:cxnLst>
+              <a:cxn ang="0">
+                <a:pos x="connsiteX0" y="connsiteY0"/>
+              </a:cxn>
+              <a:cxn ang="0">
+                <a:pos x="connsiteX1" y="connsiteY1"/>
+              </a:cxn>
+              <a:cxn ang="0">
+                <a:pos x="connsiteX2" y="connsiteY2"/>
+              </a:cxn>
+            </a:cxnLst>
+            <a:rect l="l" t="t" r="r" b="b"/>
+            <a:pathLst>
+              <a:path w="417444" h="367748">
+                <a:moveTo>
+                  <a:pt x="0" y="0"/>
+                </a:moveTo>
+                <a:cubicBezTo>
+                  <a:pt x="14909" y="88624"/>
+                  <a:pt x="29818" y="177248"/>
+                  <a:pt x="99392" y="238539"/>
+                </a:cubicBezTo>
+                <a:cubicBezTo>
+                  <a:pt x="168966" y="299830"/>
+                  <a:pt x="293205" y="333789"/>
+                  <a:pt x="417444" y="367748"/>
+                </a:cubicBezTo>
+              </a:path>
+            </a:pathLst>
+          </a:custGeom>
+          <a:ln w="19050">
+            <a:solidFill>
+              <a:srgbClr val="FF0000"/>
+            </a:solidFill>
+            <a:tailEnd type="arrow"/>
+          </a:ln>
+        </p:spPr>
+        <p:style>
+          <a:lnRef idx="1">
+            <a:schemeClr val="accent1"/>
+          </a:lnRef>
+          <a:fillRef idx="0">
+            <a:schemeClr val="accent1"/>
+          </a:fillRef>
+          <a:effectRef idx="0">
+            <a:schemeClr val="accent1"/>
+          </a:effectRef>
+          <a:fontRef idx="minor">
+            <a:schemeClr val="tx1"/>
+          </a:fontRef>
+        </p:style>
+        <p:txBody>
+          <a:bodyPr rtlCol="0" anchor="ctr"/>
+          <a:lstStyle/>
+          <a:p>
+            <a:pPr algn="ctr"/>
+            <a:endParaRPr lang="sv-SE"/>
+          </a:p>
+        </p:txBody>
+      </p:sp>
+      <p:sp>
+        <p:nvSpPr>
+          <p:cNvPr id="11" name="Freeform 10"/>
+          <p:cNvSpPr/>
+          <p:nvPr/>
+        </p:nvSpPr>
+        <p:spPr>
+          <a:xfrm>
+            <a:off x="4572000" y="2979316"/>
+            <a:ext cx="417444" cy="367748"/>
+          </a:xfrm>
+          <a:custGeom>
+            <a:avLst/>
+            <a:gdLst>
+              <a:gd name="connsiteX0" fmla="*/ 0 w 417444"/>
+              <a:gd name="connsiteY0" fmla="*/ 0 h 367748"/>
+              <a:gd name="connsiteX1" fmla="*/ 99392 w 417444"/>
+              <a:gd name="connsiteY1" fmla="*/ 238539 h 367748"/>
+              <a:gd name="connsiteX2" fmla="*/ 417444 w 417444"/>
+              <a:gd name="connsiteY2" fmla="*/ 367748 h 367748"/>
+            </a:gdLst>
+            <a:ahLst/>
+            <a:cxnLst>
+              <a:cxn ang="0">
+                <a:pos x="connsiteX0" y="connsiteY0"/>
+              </a:cxn>
+              <a:cxn ang="0">
+                <a:pos x="connsiteX1" y="connsiteY1"/>
+              </a:cxn>
+              <a:cxn ang="0">
+                <a:pos x="connsiteX2" y="connsiteY2"/>
+              </a:cxn>
+            </a:cxnLst>
+            <a:rect l="l" t="t" r="r" b="b"/>
+            <a:pathLst>
+              <a:path w="417444" h="367748">
+                <a:moveTo>
+                  <a:pt x="0" y="0"/>
+                </a:moveTo>
+                <a:cubicBezTo>
+                  <a:pt x="14909" y="88624"/>
+                  <a:pt x="29818" y="177248"/>
+                  <a:pt x="99392" y="238539"/>
+                </a:cubicBezTo>
+                <a:cubicBezTo>
+                  <a:pt x="168966" y="299830"/>
+                  <a:pt x="293205" y="333789"/>
+                  <a:pt x="417444" y="367748"/>
+                </a:cubicBezTo>
+              </a:path>
+            </a:pathLst>
+          </a:custGeom>
+          <a:ln w="19050">
+            <a:solidFill>
+              <a:srgbClr val="FF0000"/>
+            </a:solidFill>
+            <a:tailEnd type="arrow"/>
+          </a:ln>
+        </p:spPr>
+        <p:style>
+          <a:lnRef idx="1">
+            <a:schemeClr val="accent1"/>
+          </a:lnRef>
+          <a:fillRef idx="0">
+            <a:schemeClr val="accent1"/>
+          </a:fillRef>
+          <a:effectRef idx="0">
+            <a:schemeClr val="accent1"/>
+          </a:effectRef>
+          <a:fontRef idx="minor">
+            <a:schemeClr val="tx1"/>
+          </a:fontRef>
+        </p:style>
+        <p:txBody>
+          <a:bodyPr rtlCol="0" anchor="ctr"/>
+          <a:lstStyle/>
+          <a:p>
+            <a:pPr algn="ctr"/>
+            <a:endParaRPr lang="sv-SE"/>
+          </a:p>
+        </p:txBody>
+      </p:sp>
     </p:spTree>
   </p:cSld>
   <p:clrMapOvr>
@@ -8493,13 +9575,7 @@
               <a:rPr lang="sv-SE" b="1" dirty="0" smtClean="0">
                 <a:latin typeface="Minya Nouvelle" charset="0"/>
               </a:rPr>
-              <a:t>Laborationer/Handledning: </a:t>
-            </a:r>
-            <a:r>
-              <a:rPr lang="sv-SE" b="1" dirty="0" smtClean="0">
-                <a:latin typeface="Minya Nouvelle" charset="0"/>
-              </a:rPr>
-              <a:t>(4st U/G med    -uppgifter)</a:t>
+              <a:t>Laborationer/Handledning: (4st U/G med    -uppgifter)</a:t>
             </a:r>
             <a:endParaRPr lang="sv-SE" b="1" dirty="0">
               <a:latin typeface="Minya Nouvelle" charset="0"/>
@@ -8547,13 +9623,7 @@
               <a:rPr lang="sv-SE" dirty="0" smtClean="0">
                 <a:latin typeface="Minya Nouvelle" charset="0"/>
               </a:rPr>
-              <a:t>handledningspass som </a:t>
-            </a:r>
-            <a:r>
-              <a:rPr lang="sv-SE" dirty="0" smtClean="0">
-                <a:latin typeface="Minya Nouvelle" charset="0"/>
-              </a:rPr>
-              <a:t>finns i schemat. Du bokar själv grupp på kurswebben.</a:t>
+              <a:t>handledningspass som finns i schemat. Du bokar själv grupp på kurswebben.</a:t>
             </a:r>
             <a:endParaRPr lang="sv-SE" dirty="0">
               <a:latin typeface="Minya Nouvelle" charset="0"/>
@@ -8764,19 +9834,7 @@
               <a:rPr lang="sv-SE" b="1" dirty="0" smtClean="0">
                 <a:latin typeface="Minya Nouvelle" charset="0"/>
               </a:rPr>
-              <a:t>Examination: (</a:t>
-            </a:r>
-            <a:r>
-              <a:rPr lang="sv-SE" b="1" dirty="0" smtClean="0">
-                <a:latin typeface="Minya Nouvelle" charset="0"/>
-              </a:rPr>
-              <a:t>I slutet av kursen,</a:t>
-            </a:r>
-            <a:r>
-              <a:rPr lang="sv-SE" b="1" dirty="0" smtClean="0">
-                <a:latin typeface="Minya Nouvelle" charset="0"/>
-              </a:rPr>
-              <a:t> </a:t>
+              <a:t>Examination: (I slutet av kursen, </a:t>
             </a:r>
             <a:r>
               <a:rPr lang="sv-SE" b="1" dirty="0">
@@ -8879,7 +9937,7 @@
       </p:sp>
       <p:pic>
         <p:nvPicPr>
-          <p:cNvPr id="3" name="Picture 2"/>
+          <p:cNvPr id="4" name="Picture 3"/>
           <p:cNvPicPr>
             <a:picLocks noChangeAspect="1"/>
           </p:cNvPicPr>
@@ -8894,7 +9952,7 @@
         <p:spPr>
           <a:xfrm>
             <a:off x="755576" y="1129308"/>
-            <a:ext cx="7607300" cy="4241800"/>
+            <a:ext cx="7560840" cy="4329938"/>
           </a:xfrm>
           <a:prstGeom prst="rect">
             <a:avLst/>
@@ -8962,8 +10020,8 @@
         </p:nvSpPr>
         <p:spPr>
           <a:xfrm>
-            <a:off x="6228184" y="2209428"/>
-            <a:ext cx="2677836" cy="923330"/>
+            <a:off x="6012160" y="1705372"/>
+            <a:ext cx="2613253" cy="923330"/>
           </a:xfrm>
           <a:prstGeom prst="rect">
             <a:avLst/>
@@ -8980,7 +10038,7 @@
               <a:rPr lang="sv-SE" b="1" dirty="0" smtClean="0">
                 <a:latin typeface="Minya Nouvelle" pitchFamily="2" charset="0"/>
               </a:rPr>
-              <a:t>Isak Utegård</a:t>
+              <a:t>Andreas Fridlund</a:t>
             </a:r>
             <a:endParaRPr lang="sv-SE" b="1" dirty="0" smtClean="0">
               <a:latin typeface="Minya Nouvelle" pitchFamily="2" charset="0"/>
@@ -8993,20 +10051,20 @@
               </a:rPr>
               <a:t>Campus</a:t>
             </a:r>
-            <a:endParaRPr lang="sv-SE" dirty="0" smtClean="0">
-              <a:latin typeface="Minya Nouvelle" pitchFamily="2" charset="0"/>
-            </a:endParaRPr>
           </a:p>
           <a:p>
             <a:r>
               <a:rPr lang="sv-SE" dirty="0" smtClean="0">
                 <a:latin typeface="Minya Nouvelle" pitchFamily="2" charset="0"/>
               </a:rPr>
-              <a:t>iu222ae@student.lnu.se</a:t>
-            </a:r>
-            <a:endParaRPr lang="sv-SE" dirty="0" smtClean="0">
-              <a:latin typeface="Minya Nouvelle" pitchFamily="2" charset="0"/>
-            </a:endParaRPr>
+              <a:t>afrxx09@</a:t>
+            </a:r>
+            <a:r>
+              <a:rPr lang="sv-SE" dirty="0" smtClean="0">
+                <a:latin typeface="Minya Nouvelle" pitchFamily="2" charset="0"/>
+              </a:rPr>
+              <a:t>student.lnu.se</a:t>
+            </a:r>
           </a:p>
         </p:txBody>
       </p:sp>
@@ -9018,8 +10076,8 @@
         </p:nvSpPr>
         <p:spPr>
           <a:xfrm>
-            <a:off x="3275856" y="4081636"/>
-            <a:ext cx="2820003" cy="1200329"/>
+            <a:off x="3851920" y="3937620"/>
+            <a:ext cx="2754931" cy="1200329"/>
           </a:xfrm>
           <a:prstGeom prst="rect">
             <a:avLst/>
@@ -9036,23 +10094,9 @@
               <a:rPr lang="sv-SE" b="1" dirty="0" smtClean="0">
                 <a:latin typeface="Minya Nouvelle" pitchFamily="2" charset="0"/>
               </a:rPr>
-              <a:t>Mikael Östman</a:t>
-            </a:r>
-          </a:p>
-          <a:p>
-            <a:r>
-              <a:rPr lang="sv-SE" dirty="0" smtClean="0">
-                <a:latin typeface="Minya Nouvelle" pitchFamily="2" charset="0"/>
-              </a:rPr>
-              <a:t>D</a:t>
-            </a:r>
-            <a:r>
-              <a:rPr lang="sv-SE" dirty="0" smtClean="0">
-                <a:latin typeface="Minya Nouvelle" pitchFamily="2" charset="0"/>
-              </a:rPr>
-              <a:t>istans</a:t>
-            </a:r>
-            <a:endParaRPr lang="sv-SE" dirty="0" smtClean="0">
+              <a:t>Anton K. Andersson</a:t>
+            </a:r>
+            <a:endParaRPr lang="sv-SE" b="1" dirty="0" smtClean="0">
               <a:latin typeface="Minya Nouvelle" pitchFamily="2" charset="0"/>
             </a:endParaRPr>
           </a:p>
@@ -9061,7 +10105,21 @@
               <a:rPr lang="sv-SE" dirty="0" smtClean="0">
                 <a:latin typeface="Minya Nouvelle" pitchFamily="2" charset="0"/>
               </a:rPr>
-              <a:t>mo222ez@student.lnu.se</a:t>
+              <a:t>Distans</a:t>
+            </a:r>
+          </a:p>
+          <a:p>
+            <a:r>
+              <a:rPr lang="sv-SE" dirty="0" smtClean="0">
+                <a:latin typeface="Minya Nouvelle" pitchFamily="2" charset="0"/>
+              </a:rPr>
+              <a:t>aa223ap@</a:t>
+            </a:r>
+            <a:r>
+              <a:rPr lang="sv-SE" dirty="0" smtClean="0">
+                <a:latin typeface="Minya Nouvelle" pitchFamily="2" charset="0"/>
+              </a:rPr>
+              <a:t>student.lnu.se</a:t>
             </a:r>
           </a:p>
           <a:p>
@@ -9078,10 +10136,10 @@
               <a:t>: </a:t>
             </a:r>
             <a:r>
-              <a:rPr lang="sv-SE" dirty="0" err="1">
+              <a:rPr lang="sv-SE" dirty="0" err="1" smtClean="0">
                 <a:latin typeface="Minya Nouvelle" pitchFamily="2" charset="0"/>
               </a:rPr>
-              <a:t>mikael.ostman</a:t>
+              <a:t>konsonanton</a:t>
             </a:r>
             <a:endParaRPr lang="sv-SE" dirty="0" smtClean="0">
               <a:latin typeface="Minya Nouvelle" pitchFamily="2" charset="0"/>
@@ -9089,70 +10147,6 @@
           </a:p>
         </p:txBody>
       </p:sp>
-      <p:pic>
-        <p:nvPicPr>
-          <p:cNvPr id="2052" name="Picture 4" descr="Profilbild för Mikael Östman"/>
-          <p:cNvPicPr>
-            <a:picLocks noChangeAspect="1" noChangeArrowheads="1"/>
-          </p:cNvPicPr>
-          <p:nvPr/>
-        </p:nvPicPr>
-        <p:blipFill>
-          <a:blip r:embed="rId2">
-            <a:extLst>
-              <a:ext uri="{28A0092B-C50C-407E-A947-70E740481C1C}">
-                <a14:useLocalDpi xmlns:a14="http://schemas.microsoft.com/office/drawing/2010/main" val="0"/>
-              </a:ext>
-            </a:extLst>
-          </a:blip>
-          <a:srcRect/>
-          <a:stretch>
-            <a:fillRect/>
-          </a:stretch>
-        </p:blipFill>
-        <p:spPr bwMode="auto">
-          <a:xfrm>
-            <a:off x="6156176" y="3649588"/>
-            <a:ext cx="1800200" cy="1800200"/>
-          </a:xfrm>
-          <a:prstGeom prst="rect">
-            <a:avLst/>
-          </a:prstGeom>
-          <a:solidFill>
-            <a:srgbClr val="FFFFFF">
-              <a:shade val="85000"/>
-            </a:srgbClr>
-          </a:solidFill>
-          <a:ln w="190500" cap="sq">
-            <a:solidFill>
-              <a:srgbClr val="FFFFFF"/>
-            </a:solidFill>
-            <a:miter lim="800000"/>
-          </a:ln>
-          <a:effectLst>
-            <a:outerShdw blurRad="65000" dist="50800" dir="12900000" kx="195000" ky="145000" algn="tl" rotWithShape="0">
-              <a:srgbClr val="000000">
-                <a:alpha val="30000"/>
-              </a:srgbClr>
-            </a:outerShdw>
-          </a:effectLst>
-          <a:scene3d>
-            <a:camera prst="orthographicFront">
-              <a:rot lat="0" lon="0" rev="360000"/>
-            </a:camera>
-            <a:lightRig rig="twoPt" dir="t">
-              <a:rot lat="0" lon="0" rev="7200000"/>
-            </a:lightRig>
-          </a:scene3d>
-          <a:sp3d contourW="12700">
-            <a:bevelT w="25400" h="19050"/>
-            <a:contourClr>
-              <a:srgbClr val="969696"/>
-            </a:contourClr>
-          </a:sp3d>
-          <a:extLst/>
-        </p:spPr>
-      </p:pic>
       <p:sp>
         <p:nvSpPr>
           <p:cNvPr id="8" name="TextBox 7"/>
@@ -9161,8 +10155,8 @@
         </p:nvSpPr>
         <p:spPr>
           <a:xfrm>
-            <a:off x="1475656" y="1201316"/>
-            <a:ext cx="2857160" cy="1200329"/>
+            <a:off x="755576" y="2209428"/>
+            <a:ext cx="2677498" cy="1200329"/>
           </a:xfrm>
           <a:prstGeom prst="rect">
             <a:avLst/>
@@ -9179,13 +10173,13 @@
               <a:rPr lang="sv-SE" b="1" dirty="0" smtClean="0">
                 <a:latin typeface="Minya Nouvelle" pitchFamily="2" charset="0"/>
               </a:rPr>
-              <a:t>Martin </a:t>
-            </a:r>
-            <a:r>
-              <a:rPr lang="sv-SE" b="1" dirty="0" smtClean="0">
+              <a:t>Eddy </a:t>
+            </a:r>
+            <a:r>
+              <a:rPr lang="sv-SE" b="1" dirty="0" err="1" smtClean="0">
                 <a:latin typeface="Minya Nouvelle" pitchFamily="2" charset="0"/>
               </a:rPr>
-              <a:t>Åhlin</a:t>
+              <a:t>Proca</a:t>
             </a:r>
             <a:endParaRPr lang="sv-SE" b="1" dirty="0" smtClean="0">
               <a:latin typeface="Minya Nouvelle" pitchFamily="2" charset="0"/>
@@ -9196,24 +10190,15 @@
               <a:rPr lang="sv-SE" dirty="0" smtClean="0">
                 <a:latin typeface="Minya Nouvelle" pitchFamily="2" charset="0"/>
               </a:rPr>
-              <a:t>D</a:t>
-            </a:r>
+              <a:t>Distans</a:t>
+            </a:r>
+          </a:p>
+          <a:p>
             <a:r>
               <a:rPr lang="sv-SE" dirty="0" smtClean="0">
                 <a:latin typeface="Minya Nouvelle" pitchFamily="2" charset="0"/>
               </a:rPr>
-              <a:t>istans</a:t>
-            </a:r>
-            <a:endParaRPr lang="sv-SE" dirty="0" smtClean="0">
-              <a:latin typeface="Minya Nouvelle" pitchFamily="2" charset="0"/>
-            </a:endParaRPr>
-          </a:p>
-          <a:p>
-            <a:r>
-              <a:rPr lang="sv-SE" dirty="0">
-                <a:latin typeface="Minya Nouvelle" pitchFamily="2" charset="0"/>
-              </a:rPr>
-              <a:t>ma222uw@</a:t>
+              <a:t>eprcz09@</a:t>
             </a:r>
             <a:r>
               <a:rPr lang="sv-SE" dirty="0" smtClean="0">
@@ -9239,63 +10224,7 @@
               <a:rPr lang="sv-SE" dirty="0" err="1" smtClean="0">
                 <a:latin typeface="Minya Nouvelle" pitchFamily="2" charset="0"/>
               </a:rPr>
-              <a:t>martin.ahlin</a:t>
-            </a:r>
-            <a:endParaRPr lang="sv-SE" dirty="0" smtClean="0">
-              <a:latin typeface="Minya Nouvelle" pitchFamily="2" charset="0"/>
-            </a:endParaRPr>
-          </a:p>
-        </p:txBody>
-      </p:sp>
-      <p:sp>
-        <p:nvSpPr>
-          <p:cNvPr id="9" name="TextBox 8"/>
-          <p:cNvSpPr txBox="1"/>
-          <p:nvPr/>
-        </p:nvSpPr>
-        <p:spPr>
-          <a:xfrm>
-            <a:off x="539552" y="3217540"/>
-            <a:ext cx="2253817" cy="923330"/>
-          </a:xfrm>
-          <a:prstGeom prst="rect">
-            <a:avLst/>
-          </a:prstGeom>
-          <a:noFill/>
-        </p:spPr>
-        <p:txBody>
-          <a:bodyPr wrap="none" rtlCol="0">
-            <a:spAutoFit/>
-          </a:bodyPr>
-          <a:lstStyle/>
-          <a:p>
-            <a:r>
-              <a:rPr lang="sv-SE" b="1" dirty="0" smtClean="0">
-                <a:latin typeface="Minya Nouvelle" pitchFamily="2" charset="0"/>
-              </a:rPr>
-              <a:t>N.N</a:t>
-            </a:r>
-            <a:endParaRPr lang="sv-SE" b="1" dirty="0" smtClean="0">
-              <a:latin typeface="Minya Nouvelle" pitchFamily="2" charset="0"/>
-            </a:endParaRPr>
-          </a:p>
-          <a:p>
-            <a:r>
-              <a:rPr lang="sv-SE" dirty="0" smtClean="0">
-                <a:latin typeface="Minya Nouvelle" pitchFamily="2" charset="0"/>
-              </a:rPr>
-              <a:t>Campus</a:t>
-            </a:r>
-            <a:endParaRPr lang="sv-SE" dirty="0" smtClean="0">
-              <a:latin typeface="Minya Nouvelle" pitchFamily="2" charset="0"/>
-            </a:endParaRPr>
-          </a:p>
-          <a:p>
-            <a:r>
-              <a:rPr lang="sv-SE" dirty="0" err="1" smtClean="0">
-                <a:latin typeface="Minya Nouvelle" pitchFamily="2" charset="0"/>
-              </a:rPr>
-              <a:t>N.N@student.lnu.se</a:t>
+              <a:t>eddyproca</a:t>
             </a:r>
             <a:endParaRPr lang="sv-SE" dirty="0" smtClean="0">
               <a:latin typeface="Minya Nouvelle" pitchFamily="2" charset="0"/>
@@ -9305,7 +10234,31 @@
       </p:sp>
       <p:pic>
         <p:nvPicPr>
-          <p:cNvPr id="5" name="Picture 4"/>
+          <p:cNvPr id="3" name="Picture 2"/>
+          <p:cNvPicPr>
+            <a:picLocks noChangeAspect="1"/>
+          </p:cNvPicPr>
+          <p:nvPr/>
+        </p:nvPicPr>
+        <p:blipFill>
+          <a:blip r:embed="rId2"/>
+          <a:stretch>
+            <a:fillRect/>
+          </a:stretch>
+        </p:blipFill>
+        <p:spPr>
+          <a:xfrm>
+            <a:off x="4067944" y="1345332"/>
+            <a:ext cx="1905000" cy="1905000"/>
+          </a:xfrm>
+          <a:prstGeom prst="rect">
+            <a:avLst/>
+          </a:prstGeom>
+        </p:spPr>
+      </p:pic>
+      <p:pic>
+        <p:nvPicPr>
+          <p:cNvPr id="10" name="Picture 9"/>
           <p:cNvPicPr>
             <a:picLocks noChangeAspect="1"/>
           </p:cNvPicPr>
@@ -9319,49 +10272,17 @@
         </p:blipFill>
         <p:spPr>
           <a:xfrm>
-            <a:off x="0" y="1129308"/>
-            <a:ext cx="1219200" cy="1219200"/>
+            <a:off x="755576" y="3433564"/>
+            <a:ext cx="1905000" cy="1905000"/>
           </a:xfrm>
           <a:prstGeom prst="rect">
             <a:avLst/>
           </a:prstGeom>
-          <a:solidFill>
-            <a:srgbClr val="FFFFFF">
-              <a:shade val="85000"/>
-            </a:srgbClr>
-          </a:solidFill>
-          <a:ln w="190500" cap="sq">
-            <a:solidFill>
-              <a:srgbClr val="FFFFFF"/>
-            </a:solidFill>
-            <a:miter lim="800000"/>
-          </a:ln>
-          <a:effectLst>
-            <a:outerShdw blurRad="65000" dist="50800" dir="12900000" kx="195000" ky="145000" algn="tl" rotWithShape="0">
-              <a:srgbClr val="000000">
-                <a:alpha val="30000"/>
-              </a:srgbClr>
-            </a:outerShdw>
-          </a:effectLst>
-          <a:scene3d>
-            <a:camera prst="orthographicFront">
-              <a:rot lat="0" lon="0" rev="360000"/>
-            </a:camera>
-            <a:lightRig rig="twoPt" dir="t">
-              <a:rot lat="0" lon="0" rev="7200000"/>
-            </a:lightRig>
-          </a:scene3d>
-          <a:sp3d contourW="12700">
-            <a:bevelT w="25400" h="19050"/>
-            <a:contourClr>
-              <a:srgbClr val="969696"/>
-            </a:contourClr>
-          </a:sp3d>
         </p:spPr>
       </p:pic>
       <p:pic>
         <p:nvPicPr>
-          <p:cNvPr id="6" name="Picture 5"/>
+          <p:cNvPr id="11" name="Picture 10"/>
           <p:cNvPicPr>
             <a:picLocks noChangeAspect="1"/>
           </p:cNvPicPr>
@@ -9374,45 +10295,13 @@
           </a:stretch>
         </p:blipFill>
         <p:spPr>
-          <a:xfrm rot="1363670">
-            <a:off x="4461332" y="1379932"/>
-            <a:ext cx="1622358" cy="1616968"/>
+          <a:xfrm>
+            <a:off x="6660232" y="3577580"/>
+            <a:ext cx="1905000" cy="1905000"/>
           </a:xfrm>
           <a:prstGeom prst="rect">
             <a:avLst/>
           </a:prstGeom>
-          <a:solidFill>
-            <a:srgbClr val="FFFFFF">
-              <a:shade val="85000"/>
-            </a:srgbClr>
-          </a:solidFill>
-          <a:ln w="190500" cap="sq">
-            <a:solidFill>
-              <a:srgbClr val="FFFFFF"/>
-            </a:solidFill>
-            <a:miter lim="800000"/>
-          </a:ln>
-          <a:effectLst>
-            <a:outerShdw blurRad="65000" dist="50800" dir="12900000" kx="195000" ky="145000" algn="tl" rotWithShape="0">
-              <a:srgbClr val="000000">
-                <a:alpha val="30000"/>
-              </a:srgbClr>
-            </a:outerShdw>
-          </a:effectLst>
-          <a:scene3d>
-            <a:camera prst="orthographicFront">
-              <a:rot lat="0" lon="0" rev="360000"/>
-            </a:camera>
-            <a:lightRig rig="twoPt" dir="t">
-              <a:rot lat="0" lon="0" rev="7200000"/>
-            </a:lightRig>
-          </a:scene3d>
-          <a:sp3d contourW="12700">
-            <a:bevelT w="25400" h="19050"/>
-            <a:contourClr>
-              <a:srgbClr val="969696"/>
-            </a:contourClr>
-          </a:sp3d>
         </p:spPr>
       </p:pic>
     </p:spTree>
